--- a/HealthApp/project plan220422.pptx
+++ b/HealthApp/project plan220422.pptx
@@ -7218,7 +7218,7 @@
                   <a:srgbClr val="FF0000"/>
                 </a:solidFill>
               </a:rPr>
-              <a:t>DAJN App Demo</a:t>
+              <a:t>Live App Demo</a:t>
             </a:r>
             <a:endParaRPr lang="en-US" sz="3200" b="1" dirty="0">
               <a:solidFill>
@@ -10790,9 +10790,2647 @@
   <p:timing>
     <p:tnLst>
       <p:par>
-        <p:cTn id="1" dur="indefinite" restart="never" nodeType="tmRoot"/>
+        <p:cTn id="1" dur="indefinite" restart="never" nodeType="tmRoot">
+          <p:childTnLst>
+            <p:seq concurrent="1" nextAc="seek">
+              <p:cTn id="2" dur="indefinite" nodeType="mainSeq">
+                <p:childTnLst>
+                  <p:par>
+                    <p:cTn id="3" fill="hold">
+                      <p:stCondLst>
+                        <p:cond delay="indefinite"/>
+                      </p:stCondLst>
+                      <p:childTnLst>
+                        <p:par>
+                          <p:cTn id="4" fill="hold">
+                            <p:stCondLst>
+                              <p:cond delay="0"/>
+                            </p:stCondLst>
+                            <p:childTnLst>
+                              <p:par>
+                                <p:cTn id="5" presetID="2" presetClass="entr" presetSubtype="1" fill="hold" grpId="0" nodeType="clickEffect">
+                                  <p:stCondLst>
+                                    <p:cond delay="0"/>
+                                  </p:stCondLst>
+                                  <p:childTnLst>
+                                    <p:set>
+                                      <p:cBhvr>
+                                        <p:cTn id="6" dur="1" fill="hold">
+                                          <p:stCondLst>
+                                            <p:cond delay="0"/>
+                                          </p:stCondLst>
+                                        </p:cTn>
+                                        <p:tgtEl>
+                                          <p:spTgt spid="34"/>
+                                        </p:tgtEl>
+                                        <p:attrNameLst>
+                                          <p:attrName>style.visibility</p:attrName>
+                                        </p:attrNameLst>
+                                      </p:cBhvr>
+                                      <p:to>
+                                        <p:strVal val="visible"/>
+                                      </p:to>
+                                    </p:set>
+                                    <p:anim calcmode="lin" valueType="num">
+                                      <p:cBhvr additive="base">
+                                        <p:cTn id="7" dur="500" fill="hold"/>
+                                        <p:tgtEl>
+                                          <p:spTgt spid="34"/>
+                                        </p:tgtEl>
+                                        <p:attrNameLst>
+                                          <p:attrName>ppt_x</p:attrName>
+                                        </p:attrNameLst>
+                                      </p:cBhvr>
+                                      <p:tavLst>
+                                        <p:tav tm="0">
+                                          <p:val>
+                                            <p:strVal val="#ppt_x"/>
+                                          </p:val>
+                                        </p:tav>
+                                        <p:tav tm="100000">
+                                          <p:val>
+                                            <p:strVal val="#ppt_x"/>
+                                          </p:val>
+                                        </p:tav>
+                                      </p:tavLst>
+                                    </p:anim>
+                                    <p:anim calcmode="lin" valueType="num">
+                                      <p:cBhvr additive="base">
+                                        <p:cTn id="8" dur="500" fill="hold"/>
+                                        <p:tgtEl>
+                                          <p:spTgt spid="34"/>
+                                        </p:tgtEl>
+                                        <p:attrNameLst>
+                                          <p:attrName>ppt_y</p:attrName>
+                                        </p:attrNameLst>
+                                      </p:cBhvr>
+                                      <p:tavLst>
+                                        <p:tav tm="0">
+                                          <p:val>
+                                            <p:strVal val="0-#ppt_h/2"/>
+                                          </p:val>
+                                        </p:tav>
+                                        <p:tav tm="100000">
+                                          <p:val>
+                                            <p:strVal val="#ppt_y"/>
+                                          </p:val>
+                                        </p:tav>
+                                      </p:tavLst>
+                                    </p:anim>
+                                  </p:childTnLst>
+                                </p:cTn>
+                              </p:par>
+                              <p:par>
+                                <p:cTn id="9" presetID="2" presetClass="entr" presetSubtype="1" fill="hold" nodeType="withEffect">
+                                  <p:stCondLst>
+                                    <p:cond delay="0"/>
+                                  </p:stCondLst>
+                                  <p:childTnLst>
+                                    <p:set>
+                                      <p:cBhvr>
+                                        <p:cTn id="10" dur="1" fill="hold">
+                                          <p:stCondLst>
+                                            <p:cond delay="0"/>
+                                          </p:stCondLst>
+                                        </p:cTn>
+                                        <p:tgtEl>
+                                          <p:spTgt spid="155"/>
+                                        </p:tgtEl>
+                                        <p:attrNameLst>
+                                          <p:attrName>style.visibility</p:attrName>
+                                        </p:attrNameLst>
+                                      </p:cBhvr>
+                                      <p:to>
+                                        <p:strVal val="visible"/>
+                                      </p:to>
+                                    </p:set>
+                                    <p:anim calcmode="lin" valueType="num">
+                                      <p:cBhvr additive="base">
+                                        <p:cTn id="11" dur="500" fill="hold"/>
+                                        <p:tgtEl>
+                                          <p:spTgt spid="155"/>
+                                        </p:tgtEl>
+                                        <p:attrNameLst>
+                                          <p:attrName>ppt_x</p:attrName>
+                                        </p:attrNameLst>
+                                      </p:cBhvr>
+                                      <p:tavLst>
+                                        <p:tav tm="0">
+                                          <p:val>
+                                            <p:strVal val="#ppt_x"/>
+                                          </p:val>
+                                        </p:tav>
+                                        <p:tav tm="100000">
+                                          <p:val>
+                                            <p:strVal val="#ppt_x"/>
+                                          </p:val>
+                                        </p:tav>
+                                      </p:tavLst>
+                                    </p:anim>
+                                    <p:anim calcmode="lin" valueType="num">
+                                      <p:cBhvr additive="base">
+                                        <p:cTn id="12" dur="500" fill="hold"/>
+                                        <p:tgtEl>
+                                          <p:spTgt spid="155"/>
+                                        </p:tgtEl>
+                                        <p:attrNameLst>
+                                          <p:attrName>ppt_y</p:attrName>
+                                        </p:attrNameLst>
+                                      </p:cBhvr>
+                                      <p:tavLst>
+                                        <p:tav tm="0">
+                                          <p:val>
+                                            <p:strVal val="0-#ppt_h/2"/>
+                                          </p:val>
+                                        </p:tav>
+                                        <p:tav tm="100000">
+                                          <p:val>
+                                            <p:strVal val="#ppt_y"/>
+                                          </p:val>
+                                        </p:tav>
+                                      </p:tavLst>
+                                    </p:anim>
+                                  </p:childTnLst>
+                                </p:cTn>
+                              </p:par>
+                              <p:par>
+                                <p:cTn id="13" presetID="2" presetClass="entr" presetSubtype="1" fill="hold" grpId="0" nodeType="withEffect">
+                                  <p:stCondLst>
+                                    <p:cond delay="0"/>
+                                  </p:stCondLst>
+                                  <p:childTnLst>
+                                    <p:set>
+                                      <p:cBhvr>
+                                        <p:cTn id="14" dur="1" fill="hold">
+                                          <p:stCondLst>
+                                            <p:cond delay="0"/>
+                                          </p:stCondLst>
+                                        </p:cTn>
+                                        <p:tgtEl>
+                                          <p:spTgt spid="29"/>
+                                        </p:tgtEl>
+                                        <p:attrNameLst>
+                                          <p:attrName>style.visibility</p:attrName>
+                                        </p:attrNameLst>
+                                      </p:cBhvr>
+                                      <p:to>
+                                        <p:strVal val="visible"/>
+                                      </p:to>
+                                    </p:set>
+                                    <p:anim calcmode="lin" valueType="num">
+                                      <p:cBhvr additive="base">
+                                        <p:cTn id="15" dur="500" fill="hold"/>
+                                        <p:tgtEl>
+                                          <p:spTgt spid="29"/>
+                                        </p:tgtEl>
+                                        <p:attrNameLst>
+                                          <p:attrName>ppt_x</p:attrName>
+                                        </p:attrNameLst>
+                                      </p:cBhvr>
+                                      <p:tavLst>
+                                        <p:tav tm="0">
+                                          <p:val>
+                                            <p:strVal val="#ppt_x"/>
+                                          </p:val>
+                                        </p:tav>
+                                        <p:tav tm="100000">
+                                          <p:val>
+                                            <p:strVal val="#ppt_x"/>
+                                          </p:val>
+                                        </p:tav>
+                                      </p:tavLst>
+                                    </p:anim>
+                                    <p:anim calcmode="lin" valueType="num">
+                                      <p:cBhvr additive="base">
+                                        <p:cTn id="16" dur="500" fill="hold"/>
+                                        <p:tgtEl>
+                                          <p:spTgt spid="29"/>
+                                        </p:tgtEl>
+                                        <p:attrNameLst>
+                                          <p:attrName>ppt_y</p:attrName>
+                                        </p:attrNameLst>
+                                      </p:cBhvr>
+                                      <p:tavLst>
+                                        <p:tav tm="0">
+                                          <p:val>
+                                            <p:strVal val="0-#ppt_h/2"/>
+                                          </p:val>
+                                        </p:tav>
+                                        <p:tav tm="100000">
+                                          <p:val>
+                                            <p:strVal val="#ppt_y"/>
+                                          </p:val>
+                                        </p:tav>
+                                      </p:tavLst>
+                                    </p:anim>
+                                  </p:childTnLst>
+                                </p:cTn>
+                              </p:par>
+                            </p:childTnLst>
+                          </p:cTn>
+                        </p:par>
+                        <p:par>
+                          <p:cTn id="17" fill="hold">
+                            <p:stCondLst>
+                              <p:cond delay="500"/>
+                            </p:stCondLst>
+                            <p:childTnLst>
+                              <p:par>
+                                <p:cTn id="18" presetID="2" presetClass="entr" presetSubtype="1" fill="hold" grpId="0" nodeType="afterEffect">
+                                  <p:stCondLst>
+                                    <p:cond delay="0"/>
+                                  </p:stCondLst>
+                                  <p:childTnLst>
+                                    <p:set>
+                                      <p:cBhvr>
+                                        <p:cTn id="19" dur="1" fill="hold">
+                                          <p:stCondLst>
+                                            <p:cond delay="0"/>
+                                          </p:stCondLst>
+                                        </p:cTn>
+                                        <p:tgtEl>
+                                          <p:spTgt spid="35"/>
+                                        </p:tgtEl>
+                                        <p:attrNameLst>
+                                          <p:attrName>style.visibility</p:attrName>
+                                        </p:attrNameLst>
+                                      </p:cBhvr>
+                                      <p:to>
+                                        <p:strVal val="visible"/>
+                                      </p:to>
+                                    </p:set>
+                                    <p:anim calcmode="lin" valueType="num">
+                                      <p:cBhvr additive="base">
+                                        <p:cTn id="20" dur="500" fill="hold"/>
+                                        <p:tgtEl>
+                                          <p:spTgt spid="35"/>
+                                        </p:tgtEl>
+                                        <p:attrNameLst>
+                                          <p:attrName>ppt_x</p:attrName>
+                                        </p:attrNameLst>
+                                      </p:cBhvr>
+                                      <p:tavLst>
+                                        <p:tav tm="0">
+                                          <p:val>
+                                            <p:strVal val="#ppt_x"/>
+                                          </p:val>
+                                        </p:tav>
+                                        <p:tav tm="100000">
+                                          <p:val>
+                                            <p:strVal val="#ppt_x"/>
+                                          </p:val>
+                                        </p:tav>
+                                      </p:tavLst>
+                                    </p:anim>
+                                    <p:anim calcmode="lin" valueType="num">
+                                      <p:cBhvr additive="base">
+                                        <p:cTn id="21" dur="500" fill="hold"/>
+                                        <p:tgtEl>
+                                          <p:spTgt spid="35"/>
+                                        </p:tgtEl>
+                                        <p:attrNameLst>
+                                          <p:attrName>ppt_y</p:attrName>
+                                        </p:attrNameLst>
+                                      </p:cBhvr>
+                                      <p:tavLst>
+                                        <p:tav tm="0">
+                                          <p:val>
+                                            <p:strVal val="0-#ppt_h/2"/>
+                                          </p:val>
+                                        </p:tav>
+                                        <p:tav tm="100000">
+                                          <p:val>
+                                            <p:strVal val="#ppt_y"/>
+                                          </p:val>
+                                        </p:tav>
+                                      </p:tavLst>
+                                    </p:anim>
+                                  </p:childTnLst>
+                                </p:cTn>
+                              </p:par>
+                              <p:par>
+                                <p:cTn id="22" presetID="2" presetClass="entr" presetSubtype="1" fill="hold" nodeType="withEffect">
+                                  <p:stCondLst>
+                                    <p:cond delay="0"/>
+                                  </p:stCondLst>
+                                  <p:childTnLst>
+                                    <p:set>
+                                      <p:cBhvr>
+                                        <p:cTn id="23" dur="1" fill="hold">
+                                          <p:stCondLst>
+                                            <p:cond delay="0"/>
+                                          </p:stCondLst>
+                                        </p:cTn>
+                                        <p:tgtEl>
+                                          <p:spTgt spid="156"/>
+                                        </p:tgtEl>
+                                        <p:attrNameLst>
+                                          <p:attrName>style.visibility</p:attrName>
+                                        </p:attrNameLst>
+                                      </p:cBhvr>
+                                      <p:to>
+                                        <p:strVal val="visible"/>
+                                      </p:to>
+                                    </p:set>
+                                    <p:anim calcmode="lin" valueType="num">
+                                      <p:cBhvr additive="base">
+                                        <p:cTn id="24" dur="500" fill="hold"/>
+                                        <p:tgtEl>
+                                          <p:spTgt spid="156"/>
+                                        </p:tgtEl>
+                                        <p:attrNameLst>
+                                          <p:attrName>ppt_x</p:attrName>
+                                        </p:attrNameLst>
+                                      </p:cBhvr>
+                                      <p:tavLst>
+                                        <p:tav tm="0">
+                                          <p:val>
+                                            <p:strVal val="#ppt_x"/>
+                                          </p:val>
+                                        </p:tav>
+                                        <p:tav tm="100000">
+                                          <p:val>
+                                            <p:strVal val="#ppt_x"/>
+                                          </p:val>
+                                        </p:tav>
+                                      </p:tavLst>
+                                    </p:anim>
+                                    <p:anim calcmode="lin" valueType="num">
+                                      <p:cBhvr additive="base">
+                                        <p:cTn id="25" dur="500" fill="hold"/>
+                                        <p:tgtEl>
+                                          <p:spTgt spid="156"/>
+                                        </p:tgtEl>
+                                        <p:attrNameLst>
+                                          <p:attrName>ppt_y</p:attrName>
+                                        </p:attrNameLst>
+                                      </p:cBhvr>
+                                      <p:tavLst>
+                                        <p:tav tm="0">
+                                          <p:val>
+                                            <p:strVal val="0-#ppt_h/2"/>
+                                          </p:val>
+                                        </p:tav>
+                                        <p:tav tm="100000">
+                                          <p:val>
+                                            <p:strVal val="#ppt_y"/>
+                                          </p:val>
+                                        </p:tav>
+                                      </p:tavLst>
+                                    </p:anim>
+                                  </p:childTnLst>
+                                </p:cTn>
+                              </p:par>
+                              <p:par>
+                                <p:cTn id="26" presetID="2" presetClass="entr" presetSubtype="1" fill="hold" nodeType="withEffect">
+                                  <p:stCondLst>
+                                    <p:cond delay="0"/>
+                                  </p:stCondLst>
+                                  <p:childTnLst>
+                                    <p:set>
+                                      <p:cBhvr>
+                                        <p:cTn id="27" dur="1" fill="hold">
+                                          <p:stCondLst>
+                                            <p:cond delay="0"/>
+                                          </p:stCondLst>
+                                        </p:cTn>
+                                        <p:tgtEl>
+                                          <p:spTgt spid="42"/>
+                                        </p:tgtEl>
+                                        <p:attrNameLst>
+                                          <p:attrName>style.visibility</p:attrName>
+                                        </p:attrNameLst>
+                                      </p:cBhvr>
+                                      <p:to>
+                                        <p:strVal val="visible"/>
+                                      </p:to>
+                                    </p:set>
+                                    <p:anim calcmode="lin" valueType="num">
+                                      <p:cBhvr additive="base">
+                                        <p:cTn id="28" dur="500" fill="hold"/>
+                                        <p:tgtEl>
+                                          <p:spTgt spid="42"/>
+                                        </p:tgtEl>
+                                        <p:attrNameLst>
+                                          <p:attrName>ppt_x</p:attrName>
+                                        </p:attrNameLst>
+                                      </p:cBhvr>
+                                      <p:tavLst>
+                                        <p:tav tm="0">
+                                          <p:val>
+                                            <p:strVal val="#ppt_x"/>
+                                          </p:val>
+                                        </p:tav>
+                                        <p:tav tm="100000">
+                                          <p:val>
+                                            <p:strVal val="#ppt_x"/>
+                                          </p:val>
+                                        </p:tav>
+                                      </p:tavLst>
+                                    </p:anim>
+                                    <p:anim calcmode="lin" valueType="num">
+                                      <p:cBhvr additive="base">
+                                        <p:cTn id="29" dur="500" fill="hold"/>
+                                        <p:tgtEl>
+                                          <p:spTgt spid="42"/>
+                                        </p:tgtEl>
+                                        <p:attrNameLst>
+                                          <p:attrName>ppt_y</p:attrName>
+                                        </p:attrNameLst>
+                                      </p:cBhvr>
+                                      <p:tavLst>
+                                        <p:tav tm="0">
+                                          <p:val>
+                                            <p:strVal val="0-#ppt_h/2"/>
+                                          </p:val>
+                                        </p:tav>
+                                        <p:tav tm="100000">
+                                          <p:val>
+                                            <p:strVal val="#ppt_y"/>
+                                          </p:val>
+                                        </p:tav>
+                                      </p:tavLst>
+                                    </p:anim>
+                                  </p:childTnLst>
+                                </p:cTn>
+                              </p:par>
+                              <p:par>
+                                <p:cTn id="30" presetID="2" presetClass="entr" presetSubtype="1" fill="hold" grpId="0" nodeType="withEffect">
+                                  <p:stCondLst>
+                                    <p:cond delay="0"/>
+                                  </p:stCondLst>
+                                  <p:childTnLst>
+                                    <p:set>
+                                      <p:cBhvr>
+                                        <p:cTn id="31" dur="1" fill="hold">
+                                          <p:stCondLst>
+                                            <p:cond delay="0"/>
+                                          </p:stCondLst>
+                                        </p:cTn>
+                                        <p:tgtEl>
+                                          <p:spTgt spid="32"/>
+                                        </p:tgtEl>
+                                        <p:attrNameLst>
+                                          <p:attrName>style.visibility</p:attrName>
+                                        </p:attrNameLst>
+                                      </p:cBhvr>
+                                      <p:to>
+                                        <p:strVal val="visible"/>
+                                      </p:to>
+                                    </p:set>
+                                    <p:anim calcmode="lin" valueType="num">
+                                      <p:cBhvr additive="base">
+                                        <p:cTn id="32" dur="500" fill="hold"/>
+                                        <p:tgtEl>
+                                          <p:spTgt spid="32"/>
+                                        </p:tgtEl>
+                                        <p:attrNameLst>
+                                          <p:attrName>ppt_x</p:attrName>
+                                        </p:attrNameLst>
+                                      </p:cBhvr>
+                                      <p:tavLst>
+                                        <p:tav tm="0">
+                                          <p:val>
+                                            <p:strVal val="#ppt_x"/>
+                                          </p:val>
+                                        </p:tav>
+                                        <p:tav tm="100000">
+                                          <p:val>
+                                            <p:strVal val="#ppt_x"/>
+                                          </p:val>
+                                        </p:tav>
+                                      </p:tavLst>
+                                    </p:anim>
+                                    <p:anim calcmode="lin" valueType="num">
+                                      <p:cBhvr additive="base">
+                                        <p:cTn id="33" dur="500" fill="hold"/>
+                                        <p:tgtEl>
+                                          <p:spTgt spid="32"/>
+                                        </p:tgtEl>
+                                        <p:attrNameLst>
+                                          <p:attrName>ppt_y</p:attrName>
+                                        </p:attrNameLst>
+                                      </p:cBhvr>
+                                      <p:tavLst>
+                                        <p:tav tm="0">
+                                          <p:val>
+                                            <p:strVal val="0-#ppt_h/2"/>
+                                          </p:val>
+                                        </p:tav>
+                                        <p:tav tm="100000">
+                                          <p:val>
+                                            <p:strVal val="#ppt_y"/>
+                                          </p:val>
+                                        </p:tav>
+                                      </p:tavLst>
+                                    </p:anim>
+                                  </p:childTnLst>
+                                </p:cTn>
+                              </p:par>
+                            </p:childTnLst>
+                          </p:cTn>
+                        </p:par>
+                        <p:par>
+                          <p:cTn id="34" fill="hold">
+                            <p:stCondLst>
+                              <p:cond delay="1000"/>
+                            </p:stCondLst>
+                            <p:childTnLst>
+                              <p:par>
+                                <p:cTn id="35" presetID="2" presetClass="entr" presetSubtype="1" fill="hold" grpId="0" nodeType="afterEffect">
+                                  <p:stCondLst>
+                                    <p:cond delay="0"/>
+                                  </p:stCondLst>
+                                  <p:childTnLst>
+                                    <p:set>
+                                      <p:cBhvr>
+                                        <p:cTn id="36" dur="1" fill="hold">
+                                          <p:stCondLst>
+                                            <p:cond delay="0"/>
+                                          </p:stCondLst>
+                                        </p:cTn>
+                                        <p:tgtEl>
+                                          <p:spTgt spid="37"/>
+                                        </p:tgtEl>
+                                        <p:attrNameLst>
+                                          <p:attrName>style.visibility</p:attrName>
+                                        </p:attrNameLst>
+                                      </p:cBhvr>
+                                      <p:to>
+                                        <p:strVal val="visible"/>
+                                      </p:to>
+                                    </p:set>
+                                    <p:anim calcmode="lin" valueType="num">
+                                      <p:cBhvr additive="base">
+                                        <p:cTn id="37" dur="500" fill="hold"/>
+                                        <p:tgtEl>
+                                          <p:spTgt spid="37"/>
+                                        </p:tgtEl>
+                                        <p:attrNameLst>
+                                          <p:attrName>ppt_x</p:attrName>
+                                        </p:attrNameLst>
+                                      </p:cBhvr>
+                                      <p:tavLst>
+                                        <p:tav tm="0">
+                                          <p:val>
+                                            <p:strVal val="#ppt_x"/>
+                                          </p:val>
+                                        </p:tav>
+                                        <p:tav tm="100000">
+                                          <p:val>
+                                            <p:strVal val="#ppt_x"/>
+                                          </p:val>
+                                        </p:tav>
+                                      </p:tavLst>
+                                    </p:anim>
+                                    <p:anim calcmode="lin" valueType="num">
+                                      <p:cBhvr additive="base">
+                                        <p:cTn id="38" dur="500" fill="hold"/>
+                                        <p:tgtEl>
+                                          <p:spTgt spid="37"/>
+                                        </p:tgtEl>
+                                        <p:attrNameLst>
+                                          <p:attrName>ppt_y</p:attrName>
+                                        </p:attrNameLst>
+                                      </p:cBhvr>
+                                      <p:tavLst>
+                                        <p:tav tm="0">
+                                          <p:val>
+                                            <p:strVal val="0-#ppt_h/2"/>
+                                          </p:val>
+                                        </p:tav>
+                                        <p:tav tm="100000">
+                                          <p:val>
+                                            <p:strVal val="#ppt_y"/>
+                                          </p:val>
+                                        </p:tav>
+                                      </p:tavLst>
+                                    </p:anim>
+                                  </p:childTnLst>
+                                </p:cTn>
+                              </p:par>
+                              <p:par>
+                                <p:cTn id="39" presetID="2" presetClass="entr" presetSubtype="1" fill="hold" nodeType="withEffect">
+                                  <p:stCondLst>
+                                    <p:cond delay="0"/>
+                                  </p:stCondLst>
+                                  <p:childTnLst>
+                                    <p:set>
+                                      <p:cBhvr>
+                                        <p:cTn id="40" dur="1" fill="hold">
+                                          <p:stCondLst>
+                                            <p:cond delay="0"/>
+                                          </p:stCondLst>
+                                        </p:cTn>
+                                        <p:tgtEl>
+                                          <p:spTgt spid="157"/>
+                                        </p:tgtEl>
+                                        <p:attrNameLst>
+                                          <p:attrName>style.visibility</p:attrName>
+                                        </p:attrNameLst>
+                                      </p:cBhvr>
+                                      <p:to>
+                                        <p:strVal val="visible"/>
+                                      </p:to>
+                                    </p:set>
+                                    <p:anim calcmode="lin" valueType="num">
+                                      <p:cBhvr additive="base">
+                                        <p:cTn id="41" dur="500" fill="hold"/>
+                                        <p:tgtEl>
+                                          <p:spTgt spid="157"/>
+                                        </p:tgtEl>
+                                        <p:attrNameLst>
+                                          <p:attrName>ppt_x</p:attrName>
+                                        </p:attrNameLst>
+                                      </p:cBhvr>
+                                      <p:tavLst>
+                                        <p:tav tm="0">
+                                          <p:val>
+                                            <p:strVal val="#ppt_x"/>
+                                          </p:val>
+                                        </p:tav>
+                                        <p:tav tm="100000">
+                                          <p:val>
+                                            <p:strVal val="#ppt_x"/>
+                                          </p:val>
+                                        </p:tav>
+                                      </p:tavLst>
+                                    </p:anim>
+                                    <p:anim calcmode="lin" valueType="num">
+                                      <p:cBhvr additive="base">
+                                        <p:cTn id="42" dur="500" fill="hold"/>
+                                        <p:tgtEl>
+                                          <p:spTgt spid="157"/>
+                                        </p:tgtEl>
+                                        <p:attrNameLst>
+                                          <p:attrName>ppt_y</p:attrName>
+                                        </p:attrNameLst>
+                                      </p:cBhvr>
+                                      <p:tavLst>
+                                        <p:tav tm="0">
+                                          <p:val>
+                                            <p:strVal val="0-#ppt_h/2"/>
+                                          </p:val>
+                                        </p:tav>
+                                        <p:tav tm="100000">
+                                          <p:val>
+                                            <p:strVal val="#ppt_y"/>
+                                          </p:val>
+                                        </p:tav>
+                                      </p:tavLst>
+                                    </p:anim>
+                                  </p:childTnLst>
+                                </p:cTn>
+                              </p:par>
+                              <p:par>
+                                <p:cTn id="43" presetID="2" presetClass="entr" presetSubtype="1" fill="hold" grpId="0" nodeType="withEffect">
+                                  <p:stCondLst>
+                                    <p:cond delay="0"/>
+                                  </p:stCondLst>
+                                  <p:childTnLst>
+                                    <p:set>
+                                      <p:cBhvr>
+                                        <p:cTn id="44" dur="1" fill="hold">
+                                          <p:stCondLst>
+                                            <p:cond delay="0"/>
+                                          </p:stCondLst>
+                                        </p:cTn>
+                                        <p:tgtEl>
+                                          <p:spTgt spid="36"/>
+                                        </p:tgtEl>
+                                        <p:attrNameLst>
+                                          <p:attrName>style.visibility</p:attrName>
+                                        </p:attrNameLst>
+                                      </p:cBhvr>
+                                      <p:to>
+                                        <p:strVal val="visible"/>
+                                      </p:to>
+                                    </p:set>
+                                    <p:anim calcmode="lin" valueType="num">
+                                      <p:cBhvr additive="base">
+                                        <p:cTn id="45" dur="500" fill="hold"/>
+                                        <p:tgtEl>
+                                          <p:spTgt spid="36"/>
+                                        </p:tgtEl>
+                                        <p:attrNameLst>
+                                          <p:attrName>ppt_x</p:attrName>
+                                        </p:attrNameLst>
+                                      </p:cBhvr>
+                                      <p:tavLst>
+                                        <p:tav tm="0">
+                                          <p:val>
+                                            <p:strVal val="#ppt_x"/>
+                                          </p:val>
+                                        </p:tav>
+                                        <p:tav tm="100000">
+                                          <p:val>
+                                            <p:strVal val="#ppt_x"/>
+                                          </p:val>
+                                        </p:tav>
+                                      </p:tavLst>
+                                    </p:anim>
+                                    <p:anim calcmode="lin" valueType="num">
+                                      <p:cBhvr additive="base">
+                                        <p:cTn id="46" dur="500" fill="hold"/>
+                                        <p:tgtEl>
+                                          <p:spTgt spid="36"/>
+                                        </p:tgtEl>
+                                        <p:attrNameLst>
+                                          <p:attrName>ppt_y</p:attrName>
+                                        </p:attrNameLst>
+                                      </p:cBhvr>
+                                      <p:tavLst>
+                                        <p:tav tm="0">
+                                          <p:val>
+                                            <p:strVal val="0-#ppt_h/2"/>
+                                          </p:val>
+                                        </p:tav>
+                                        <p:tav tm="100000">
+                                          <p:val>
+                                            <p:strVal val="#ppt_y"/>
+                                          </p:val>
+                                        </p:tav>
+                                      </p:tavLst>
+                                    </p:anim>
+                                  </p:childTnLst>
+                                </p:cTn>
+                              </p:par>
+                            </p:childTnLst>
+                          </p:cTn>
+                        </p:par>
+                        <p:par>
+                          <p:cTn id="47" fill="hold">
+                            <p:stCondLst>
+                              <p:cond delay="1500"/>
+                            </p:stCondLst>
+                            <p:childTnLst>
+                              <p:par>
+                                <p:cTn id="48" presetID="2" presetClass="entr" presetSubtype="1" fill="hold" grpId="0" nodeType="afterEffect">
+                                  <p:stCondLst>
+                                    <p:cond delay="0"/>
+                                  </p:stCondLst>
+                                  <p:childTnLst>
+                                    <p:set>
+                                      <p:cBhvr>
+                                        <p:cTn id="49" dur="1" fill="hold">
+                                          <p:stCondLst>
+                                            <p:cond delay="0"/>
+                                          </p:stCondLst>
+                                        </p:cTn>
+                                        <p:tgtEl>
+                                          <p:spTgt spid="169"/>
+                                        </p:tgtEl>
+                                        <p:attrNameLst>
+                                          <p:attrName>style.visibility</p:attrName>
+                                        </p:attrNameLst>
+                                      </p:cBhvr>
+                                      <p:to>
+                                        <p:strVal val="visible"/>
+                                      </p:to>
+                                    </p:set>
+                                    <p:anim calcmode="lin" valueType="num">
+                                      <p:cBhvr additive="base">
+                                        <p:cTn id="50" dur="500" fill="hold"/>
+                                        <p:tgtEl>
+                                          <p:spTgt spid="169"/>
+                                        </p:tgtEl>
+                                        <p:attrNameLst>
+                                          <p:attrName>ppt_x</p:attrName>
+                                        </p:attrNameLst>
+                                      </p:cBhvr>
+                                      <p:tavLst>
+                                        <p:tav tm="0">
+                                          <p:val>
+                                            <p:strVal val="#ppt_x"/>
+                                          </p:val>
+                                        </p:tav>
+                                        <p:tav tm="100000">
+                                          <p:val>
+                                            <p:strVal val="#ppt_x"/>
+                                          </p:val>
+                                        </p:tav>
+                                      </p:tavLst>
+                                    </p:anim>
+                                    <p:anim calcmode="lin" valueType="num">
+                                      <p:cBhvr additive="base">
+                                        <p:cTn id="51" dur="500" fill="hold"/>
+                                        <p:tgtEl>
+                                          <p:spTgt spid="169"/>
+                                        </p:tgtEl>
+                                        <p:attrNameLst>
+                                          <p:attrName>ppt_y</p:attrName>
+                                        </p:attrNameLst>
+                                      </p:cBhvr>
+                                      <p:tavLst>
+                                        <p:tav tm="0">
+                                          <p:val>
+                                            <p:strVal val="0-#ppt_h/2"/>
+                                          </p:val>
+                                        </p:tav>
+                                        <p:tav tm="100000">
+                                          <p:val>
+                                            <p:strVal val="#ppt_y"/>
+                                          </p:val>
+                                        </p:tav>
+                                      </p:tavLst>
+                                    </p:anim>
+                                  </p:childTnLst>
+                                </p:cTn>
+                              </p:par>
+                              <p:par>
+                                <p:cTn id="52" presetID="2" presetClass="entr" presetSubtype="1" fill="hold" grpId="0" nodeType="withEffect">
+                                  <p:stCondLst>
+                                    <p:cond delay="0"/>
+                                  </p:stCondLst>
+                                  <p:childTnLst>
+                                    <p:set>
+                                      <p:cBhvr>
+                                        <p:cTn id="53" dur="1" fill="hold">
+                                          <p:stCondLst>
+                                            <p:cond delay="0"/>
+                                          </p:stCondLst>
+                                        </p:cTn>
+                                        <p:tgtEl>
+                                          <p:spTgt spid="168"/>
+                                        </p:tgtEl>
+                                        <p:attrNameLst>
+                                          <p:attrName>style.visibility</p:attrName>
+                                        </p:attrNameLst>
+                                      </p:cBhvr>
+                                      <p:to>
+                                        <p:strVal val="visible"/>
+                                      </p:to>
+                                    </p:set>
+                                    <p:anim calcmode="lin" valueType="num">
+                                      <p:cBhvr additive="base">
+                                        <p:cTn id="54" dur="500" fill="hold"/>
+                                        <p:tgtEl>
+                                          <p:spTgt spid="168"/>
+                                        </p:tgtEl>
+                                        <p:attrNameLst>
+                                          <p:attrName>ppt_x</p:attrName>
+                                        </p:attrNameLst>
+                                      </p:cBhvr>
+                                      <p:tavLst>
+                                        <p:tav tm="0">
+                                          <p:val>
+                                            <p:strVal val="#ppt_x"/>
+                                          </p:val>
+                                        </p:tav>
+                                        <p:tav tm="100000">
+                                          <p:val>
+                                            <p:strVal val="#ppt_x"/>
+                                          </p:val>
+                                        </p:tav>
+                                      </p:tavLst>
+                                    </p:anim>
+                                    <p:anim calcmode="lin" valueType="num">
+                                      <p:cBhvr additive="base">
+                                        <p:cTn id="55" dur="500" fill="hold"/>
+                                        <p:tgtEl>
+                                          <p:spTgt spid="168"/>
+                                        </p:tgtEl>
+                                        <p:attrNameLst>
+                                          <p:attrName>ppt_y</p:attrName>
+                                        </p:attrNameLst>
+                                      </p:cBhvr>
+                                      <p:tavLst>
+                                        <p:tav tm="0">
+                                          <p:val>
+                                            <p:strVal val="0-#ppt_h/2"/>
+                                          </p:val>
+                                        </p:tav>
+                                        <p:tav tm="100000">
+                                          <p:val>
+                                            <p:strVal val="#ppt_y"/>
+                                          </p:val>
+                                        </p:tav>
+                                      </p:tavLst>
+                                    </p:anim>
+                                  </p:childTnLst>
+                                </p:cTn>
+                              </p:par>
+                              <p:par>
+                                <p:cTn id="56" presetID="2" presetClass="entr" presetSubtype="1" fill="hold" nodeType="withEffect">
+                                  <p:stCondLst>
+                                    <p:cond delay="0"/>
+                                  </p:stCondLst>
+                                  <p:childTnLst>
+                                    <p:set>
+                                      <p:cBhvr>
+                                        <p:cTn id="57" dur="1" fill="hold">
+                                          <p:stCondLst>
+                                            <p:cond delay="0"/>
+                                          </p:stCondLst>
+                                        </p:cTn>
+                                        <p:tgtEl>
+                                          <p:spTgt spid="170"/>
+                                        </p:tgtEl>
+                                        <p:attrNameLst>
+                                          <p:attrName>style.visibility</p:attrName>
+                                        </p:attrNameLst>
+                                      </p:cBhvr>
+                                      <p:to>
+                                        <p:strVal val="visible"/>
+                                      </p:to>
+                                    </p:set>
+                                    <p:anim calcmode="lin" valueType="num">
+                                      <p:cBhvr additive="base">
+                                        <p:cTn id="58" dur="500" fill="hold"/>
+                                        <p:tgtEl>
+                                          <p:spTgt spid="170"/>
+                                        </p:tgtEl>
+                                        <p:attrNameLst>
+                                          <p:attrName>ppt_x</p:attrName>
+                                        </p:attrNameLst>
+                                      </p:cBhvr>
+                                      <p:tavLst>
+                                        <p:tav tm="0">
+                                          <p:val>
+                                            <p:strVal val="#ppt_x"/>
+                                          </p:val>
+                                        </p:tav>
+                                        <p:tav tm="100000">
+                                          <p:val>
+                                            <p:strVal val="#ppt_x"/>
+                                          </p:val>
+                                        </p:tav>
+                                      </p:tavLst>
+                                    </p:anim>
+                                    <p:anim calcmode="lin" valueType="num">
+                                      <p:cBhvr additive="base">
+                                        <p:cTn id="59" dur="500" fill="hold"/>
+                                        <p:tgtEl>
+                                          <p:spTgt spid="170"/>
+                                        </p:tgtEl>
+                                        <p:attrNameLst>
+                                          <p:attrName>ppt_y</p:attrName>
+                                        </p:attrNameLst>
+                                      </p:cBhvr>
+                                      <p:tavLst>
+                                        <p:tav tm="0">
+                                          <p:val>
+                                            <p:strVal val="0-#ppt_h/2"/>
+                                          </p:val>
+                                        </p:tav>
+                                        <p:tav tm="100000">
+                                          <p:val>
+                                            <p:strVal val="#ppt_y"/>
+                                          </p:val>
+                                        </p:tav>
+                                      </p:tavLst>
+                                    </p:anim>
+                                  </p:childTnLst>
+                                </p:cTn>
+                              </p:par>
+                            </p:childTnLst>
+                          </p:cTn>
+                        </p:par>
+                        <p:par>
+                          <p:cTn id="60" fill="hold">
+                            <p:stCondLst>
+                              <p:cond delay="2000"/>
+                            </p:stCondLst>
+                            <p:childTnLst>
+                              <p:par>
+                                <p:cTn id="61" presetID="2" presetClass="entr" presetSubtype="1" fill="hold" grpId="0" nodeType="afterEffect">
+                                  <p:stCondLst>
+                                    <p:cond delay="0"/>
+                                  </p:stCondLst>
+                                  <p:childTnLst>
+                                    <p:set>
+                                      <p:cBhvr>
+                                        <p:cTn id="62" dur="1" fill="hold">
+                                          <p:stCondLst>
+                                            <p:cond delay="0"/>
+                                          </p:stCondLst>
+                                        </p:cTn>
+                                        <p:tgtEl>
+                                          <p:spTgt spid="39"/>
+                                        </p:tgtEl>
+                                        <p:attrNameLst>
+                                          <p:attrName>style.visibility</p:attrName>
+                                        </p:attrNameLst>
+                                      </p:cBhvr>
+                                      <p:to>
+                                        <p:strVal val="visible"/>
+                                      </p:to>
+                                    </p:set>
+                                    <p:anim calcmode="lin" valueType="num">
+                                      <p:cBhvr additive="base">
+                                        <p:cTn id="63" dur="500" fill="hold"/>
+                                        <p:tgtEl>
+                                          <p:spTgt spid="39"/>
+                                        </p:tgtEl>
+                                        <p:attrNameLst>
+                                          <p:attrName>ppt_x</p:attrName>
+                                        </p:attrNameLst>
+                                      </p:cBhvr>
+                                      <p:tavLst>
+                                        <p:tav tm="0">
+                                          <p:val>
+                                            <p:strVal val="#ppt_x"/>
+                                          </p:val>
+                                        </p:tav>
+                                        <p:tav tm="100000">
+                                          <p:val>
+                                            <p:strVal val="#ppt_x"/>
+                                          </p:val>
+                                        </p:tav>
+                                      </p:tavLst>
+                                    </p:anim>
+                                    <p:anim calcmode="lin" valueType="num">
+                                      <p:cBhvr additive="base">
+                                        <p:cTn id="64" dur="500" fill="hold"/>
+                                        <p:tgtEl>
+                                          <p:spTgt spid="39"/>
+                                        </p:tgtEl>
+                                        <p:attrNameLst>
+                                          <p:attrName>ppt_y</p:attrName>
+                                        </p:attrNameLst>
+                                      </p:cBhvr>
+                                      <p:tavLst>
+                                        <p:tav tm="0">
+                                          <p:val>
+                                            <p:strVal val="0-#ppt_h/2"/>
+                                          </p:val>
+                                        </p:tav>
+                                        <p:tav tm="100000">
+                                          <p:val>
+                                            <p:strVal val="#ppt_y"/>
+                                          </p:val>
+                                        </p:tav>
+                                      </p:tavLst>
+                                    </p:anim>
+                                  </p:childTnLst>
+                                </p:cTn>
+                              </p:par>
+                              <p:par>
+                                <p:cTn id="65" presetID="2" presetClass="entr" presetSubtype="1" fill="hold" nodeType="withEffect">
+                                  <p:stCondLst>
+                                    <p:cond delay="0"/>
+                                  </p:stCondLst>
+                                  <p:childTnLst>
+                                    <p:set>
+                                      <p:cBhvr>
+                                        <p:cTn id="66" dur="1" fill="hold">
+                                          <p:stCondLst>
+                                            <p:cond delay="0"/>
+                                          </p:stCondLst>
+                                        </p:cTn>
+                                        <p:tgtEl>
+                                          <p:spTgt spid="40"/>
+                                        </p:tgtEl>
+                                        <p:attrNameLst>
+                                          <p:attrName>style.visibility</p:attrName>
+                                        </p:attrNameLst>
+                                      </p:cBhvr>
+                                      <p:to>
+                                        <p:strVal val="visible"/>
+                                      </p:to>
+                                    </p:set>
+                                    <p:anim calcmode="lin" valueType="num">
+                                      <p:cBhvr additive="base">
+                                        <p:cTn id="67" dur="500" fill="hold"/>
+                                        <p:tgtEl>
+                                          <p:spTgt spid="40"/>
+                                        </p:tgtEl>
+                                        <p:attrNameLst>
+                                          <p:attrName>ppt_x</p:attrName>
+                                        </p:attrNameLst>
+                                      </p:cBhvr>
+                                      <p:tavLst>
+                                        <p:tav tm="0">
+                                          <p:val>
+                                            <p:strVal val="#ppt_x"/>
+                                          </p:val>
+                                        </p:tav>
+                                        <p:tav tm="100000">
+                                          <p:val>
+                                            <p:strVal val="#ppt_x"/>
+                                          </p:val>
+                                        </p:tav>
+                                      </p:tavLst>
+                                    </p:anim>
+                                    <p:anim calcmode="lin" valueType="num">
+                                      <p:cBhvr additive="base">
+                                        <p:cTn id="68" dur="500" fill="hold"/>
+                                        <p:tgtEl>
+                                          <p:spTgt spid="40"/>
+                                        </p:tgtEl>
+                                        <p:attrNameLst>
+                                          <p:attrName>ppt_y</p:attrName>
+                                        </p:attrNameLst>
+                                      </p:cBhvr>
+                                      <p:tavLst>
+                                        <p:tav tm="0">
+                                          <p:val>
+                                            <p:strVal val="0-#ppt_h/2"/>
+                                          </p:val>
+                                        </p:tav>
+                                        <p:tav tm="100000">
+                                          <p:val>
+                                            <p:strVal val="#ppt_y"/>
+                                          </p:val>
+                                        </p:tav>
+                                      </p:tavLst>
+                                    </p:anim>
+                                  </p:childTnLst>
+                                </p:cTn>
+                              </p:par>
+                              <p:par>
+                                <p:cTn id="69" presetID="2" presetClass="entr" presetSubtype="1" fill="hold" grpId="0" nodeType="withEffect">
+                                  <p:stCondLst>
+                                    <p:cond delay="0"/>
+                                  </p:stCondLst>
+                                  <p:childTnLst>
+                                    <p:set>
+                                      <p:cBhvr>
+                                        <p:cTn id="70" dur="1" fill="hold">
+                                          <p:stCondLst>
+                                            <p:cond delay="0"/>
+                                          </p:stCondLst>
+                                        </p:cTn>
+                                        <p:tgtEl>
+                                          <p:spTgt spid="44"/>
+                                        </p:tgtEl>
+                                        <p:attrNameLst>
+                                          <p:attrName>style.visibility</p:attrName>
+                                        </p:attrNameLst>
+                                      </p:cBhvr>
+                                      <p:to>
+                                        <p:strVal val="visible"/>
+                                      </p:to>
+                                    </p:set>
+                                    <p:anim calcmode="lin" valueType="num">
+                                      <p:cBhvr additive="base">
+                                        <p:cTn id="71" dur="500" fill="hold"/>
+                                        <p:tgtEl>
+                                          <p:spTgt spid="44"/>
+                                        </p:tgtEl>
+                                        <p:attrNameLst>
+                                          <p:attrName>ppt_x</p:attrName>
+                                        </p:attrNameLst>
+                                      </p:cBhvr>
+                                      <p:tavLst>
+                                        <p:tav tm="0">
+                                          <p:val>
+                                            <p:strVal val="#ppt_x"/>
+                                          </p:val>
+                                        </p:tav>
+                                        <p:tav tm="100000">
+                                          <p:val>
+                                            <p:strVal val="#ppt_x"/>
+                                          </p:val>
+                                        </p:tav>
+                                      </p:tavLst>
+                                    </p:anim>
+                                    <p:anim calcmode="lin" valueType="num">
+                                      <p:cBhvr additive="base">
+                                        <p:cTn id="72" dur="500" fill="hold"/>
+                                        <p:tgtEl>
+                                          <p:spTgt spid="44"/>
+                                        </p:tgtEl>
+                                        <p:attrNameLst>
+                                          <p:attrName>ppt_y</p:attrName>
+                                        </p:attrNameLst>
+                                      </p:cBhvr>
+                                      <p:tavLst>
+                                        <p:tav tm="0">
+                                          <p:val>
+                                            <p:strVal val="0-#ppt_h/2"/>
+                                          </p:val>
+                                        </p:tav>
+                                        <p:tav tm="100000">
+                                          <p:val>
+                                            <p:strVal val="#ppt_y"/>
+                                          </p:val>
+                                        </p:tav>
+                                      </p:tavLst>
+                                    </p:anim>
+                                  </p:childTnLst>
+                                </p:cTn>
+                              </p:par>
+                            </p:childTnLst>
+                          </p:cTn>
+                        </p:par>
+                        <p:par>
+                          <p:cTn id="73" fill="hold">
+                            <p:stCondLst>
+                              <p:cond delay="2500"/>
+                            </p:stCondLst>
+                            <p:childTnLst>
+                              <p:par>
+                                <p:cTn id="74" presetID="20" presetClass="entr" presetSubtype="0" fill="hold" nodeType="afterEffect">
+                                  <p:stCondLst>
+                                    <p:cond delay="0"/>
+                                  </p:stCondLst>
+                                  <p:childTnLst>
+                                    <p:set>
+                                      <p:cBhvr>
+                                        <p:cTn id="75" dur="1" fill="hold">
+                                          <p:stCondLst>
+                                            <p:cond delay="0"/>
+                                          </p:stCondLst>
+                                        </p:cTn>
+                                        <p:tgtEl>
+                                          <p:spTgt spid="167"/>
+                                        </p:tgtEl>
+                                        <p:attrNameLst>
+                                          <p:attrName>style.visibility</p:attrName>
+                                        </p:attrNameLst>
+                                      </p:cBhvr>
+                                      <p:to>
+                                        <p:strVal val="visible"/>
+                                      </p:to>
+                                    </p:set>
+                                    <p:animEffect transition="in" filter="wedge">
+                                      <p:cBhvr>
+                                        <p:cTn id="76" dur="2000"/>
+                                        <p:tgtEl>
+                                          <p:spTgt spid="167"/>
+                                        </p:tgtEl>
+                                      </p:cBhvr>
+                                    </p:animEffect>
+                                  </p:childTnLst>
+                                </p:cTn>
+                              </p:par>
+                            </p:childTnLst>
+                          </p:cTn>
+                        </p:par>
+                        <p:par>
+                          <p:cTn id="77" fill="hold">
+                            <p:stCondLst>
+                              <p:cond delay="4500"/>
+                            </p:stCondLst>
+                            <p:childTnLst>
+                              <p:par>
+                                <p:cTn id="78" presetID="8" presetClass="emph" presetSubtype="0" fill="hold" nodeType="afterEffect">
+                                  <p:stCondLst>
+                                    <p:cond delay="0"/>
+                                  </p:stCondLst>
+                                  <p:childTnLst>
+                                    <p:animRot by="21600000">
+                                      <p:cBhvr>
+                                        <p:cTn id="79" dur="2000" fill="hold"/>
+                                        <p:tgtEl>
+                                          <p:spTgt spid="167"/>
+                                        </p:tgtEl>
+                                        <p:attrNameLst>
+                                          <p:attrName>r</p:attrName>
+                                        </p:attrNameLst>
+                                      </p:cBhvr>
+                                    </p:animRot>
+                                  </p:childTnLst>
+                                </p:cTn>
+                              </p:par>
+                            </p:childTnLst>
+                          </p:cTn>
+                        </p:par>
+                        <p:par>
+                          <p:cTn id="80" fill="hold">
+                            <p:stCondLst>
+                              <p:cond delay="6500"/>
+                            </p:stCondLst>
+                            <p:childTnLst>
+                              <p:par>
+                                <p:cTn id="81" presetID="2" presetClass="entr" presetSubtype="2" fill="hold" grpId="0" nodeType="afterEffect">
+                                  <p:stCondLst>
+                                    <p:cond delay="0"/>
+                                  </p:stCondLst>
+                                  <p:childTnLst>
+                                    <p:set>
+                                      <p:cBhvr>
+                                        <p:cTn id="82" dur="1" fill="hold">
+                                          <p:stCondLst>
+                                            <p:cond delay="0"/>
+                                          </p:stCondLst>
+                                        </p:cTn>
+                                        <p:tgtEl>
+                                          <p:spTgt spid="74"/>
+                                        </p:tgtEl>
+                                        <p:attrNameLst>
+                                          <p:attrName>style.visibility</p:attrName>
+                                        </p:attrNameLst>
+                                      </p:cBhvr>
+                                      <p:to>
+                                        <p:strVal val="visible"/>
+                                      </p:to>
+                                    </p:set>
+                                    <p:anim calcmode="lin" valueType="num">
+                                      <p:cBhvr additive="base">
+                                        <p:cTn id="83" dur="500" fill="hold"/>
+                                        <p:tgtEl>
+                                          <p:spTgt spid="74"/>
+                                        </p:tgtEl>
+                                        <p:attrNameLst>
+                                          <p:attrName>ppt_x</p:attrName>
+                                        </p:attrNameLst>
+                                      </p:cBhvr>
+                                      <p:tavLst>
+                                        <p:tav tm="0">
+                                          <p:val>
+                                            <p:strVal val="1+#ppt_w/2"/>
+                                          </p:val>
+                                        </p:tav>
+                                        <p:tav tm="100000">
+                                          <p:val>
+                                            <p:strVal val="#ppt_x"/>
+                                          </p:val>
+                                        </p:tav>
+                                      </p:tavLst>
+                                    </p:anim>
+                                    <p:anim calcmode="lin" valueType="num">
+                                      <p:cBhvr additive="base">
+                                        <p:cTn id="84" dur="500" fill="hold"/>
+                                        <p:tgtEl>
+                                          <p:spTgt spid="74"/>
+                                        </p:tgtEl>
+                                        <p:attrNameLst>
+                                          <p:attrName>ppt_y</p:attrName>
+                                        </p:attrNameLst>
+                                      </p:cBhvr>
+                                      <p:tavLst>
+                                        <p:tav tm="0">
+                                          <p:val>
+                                            <p:strVal val="#ppt_y"/>
+                                          </p:val>
+                                        </p:tav>
+                                        <p:tav tm="100000">
+                                          <p:val>
+                                            <p:strVal val="#ppt_y"/>
+                                          </p:val>
+                                        </p:tav>
+                                      </p:tavLst>
+                                    </p:anim>
+                                  </p:childTnLst>
+                                </p:cTn>
+                              </p:par>
+                              <p:par>
+                                <p:cTn id="85" presetID="2" presetClass="entr" presetSubtype="2" fill="hold" grpId="0" nodeType="withEffect">
+                                  <p:stCondLst>
+                                    <p:cond delay="0"/>
+                                  </p:stCondLst>
+                                  <p:childTnLst>
+                                    <p:set>
+                                      <p:cBhvr>
+                                        <p:cTn id="86" dur="1" fill="hold">
+                                          <p:stCondLst>
+                                            <p:cond delay="0"/>
+                                          </p:stCondLst>
+                                        </p:cTn>
+                                        <p:tgtEl>
+                                          <p:spTgt spid="33"/>
+                                        </p:tgtEl>
+                                        <p:attrNameLst>
+                                          <p:attrName>style.visibility</p:attrName>
+                                        </p:attrNameLst>
+                                      </p:cBhvr>
+                                      <p:to>
+                                        <p:strVal val="visible"/>
+                                      </p:to>
+                                    </p:set>
+                                    <p:anim calcmode="lin" valueType="num">
+                                      <p:cBhvr additive="base">
+                                        <p:cTn id="87" dur="500" fill="hold"/>
+                                        <p:tgtEl>
+                                          <p:spTgt spid="33"/>
+                                        </p:tgtEl>
+                                        <p:attrNameLst>
+                                          <p:attrName>ppt_x</p:attrName>
+                                        </p:attrNameLst>
+                                      </p:cBhvr>
+                                      <p:tavLst>
+                                        <p:tav tm="0">
+                                          <p:val>
+                                            <p:strVal val="1+#ppt_w/2"/>
+                                          </p:val>
+                                        </p:tav>
+                                        <p:tav tm="100000">
+                                          <p:val>
+                                            <p:strVal val="#ppt_x"/>
+                                          </p:val>
+                                        </p:tav>
+                                      </p:tavLst>
+                                    </p:anim>
+                                    <p:anim calcmode="lin" valueType="num">
+                                      <p:cBhvr additive="base">
+                                        <p:cTn id="88" dur="500" fill="hold"/>
+                                        <p:tgtEl>
+                                          <p:spTgt spid="33"/>
+                                        </p:tgtEl>
+                                        <p:attrNameLst>
+                                          <p:attrName>ppt_y</p:attrName>
+                                        </p:attrNameLst>
+                                      </p:cBhvr>
+                                      <p:tavLst>
+                                        <p:tav tm="0">
+                                          <p:val>
+                                            <p:strVal val="#ppt_y"/>
+                                          </p:val>
+                                        </p:tav>
+                                        <p:tav tm="100000">
+                                          <p:val>
+                                            <p:strVal val="#ppt_y"/>
+                                          </p:val>
+                                        </p:tav>
+                                      </p:tavLst>
+                                    </p:anim>
+                                  </p:childTnLst>
+                                </p:cTn>
+                              </p:par>
+                              <p:par>
+                                <p:cTn id="89" presetID="2" presetClass="entr" presetSubtype="2" fill="hold" nodeType="withEffect">
+                                  <p:stCondLst>
+                                    <p:cond delay="0"/>
+                                  </p:stCondLst>
+                                  <p:childTnLst>
+                                    <p:set>
+                                      <p:cBhvr>
+                                        <p:cTn id="90" dur="1" fill="hold">
+                                          <p:stCondLst>
+                                            <p:cond delay="0"/>
+                                          </p:stCondLst>
+                                        </p:cTn>
+                                        <p:tgtEl>
+                                          <p:spTgt spid="158"/>
+                                        </p:tgtEl>
+                                        <p:attrNameLst>
+                                          <p:attrName>style.visibility</p:attrName>
+                                        </p:attrNameLst>
+                                      </p:cBhvr>
+                                      <p:to>
+                                        <p:strVal val="visible"/>
+                                      </p:to>
+                                    </p:set>
+                                    <p:anim calcmode="lin" valueType="num">
+                                      <p:cBhvr additive="base">
+                                        <p:cTn id="91" dur="500" fill="hold"/>
+                                        <p:tgtEl>
+                                          <p:spTgt spid="158"/>
+                                        </p:tgtEl>
+                                        <p:attrNameLst>
+                                          <p:attrName>ppt_x</p:attrName>
+                                        </p:attrNameLst>
+                                      </p:cBhvr>
+                                      <p:tavLst>
+                                        <p:tav tm="0">
+                                          <p:val>
+                                            <p:strVal val="1+#ppt_w/2"/>
+                                          </p:val>
+                                        </p:tav>
+                                        <p:tav tm="100000">
+                                          <p:val>
+                                            <p:strVal val="#ppt_x"/>
+                                          </p:val>
+                                        </p:tav>
+                                      </p:tavLst>
+                                    </p:anim>
+                                    <p:anim calcmode="lin" valueType="num">
+                                      <p:cBhvr additive="base">
+                                        <p:cTn id="92" dur="500" fill="hold"/>
+                                        <p:tgtEl>
+                                          <p:spTgt spid="158"/>
+                                        </p:tgtEl>
+                                        <p:attrNameLst>
+                                          <p:attrName>ppt_y</p:attrName>
+                                        </p:attrNameLst>
+                                      </p:cBhvr>
+                                      <p:tavLst>
+                                        <p:tav tm="0">
+                                          <p:val>
+                                            <p:strVal val="#ppt_y"/>
+                                          </p:val>
+                                        </p:tav>
+                                        <p:tav tm="100000">
+                                          <p:val>
+                                            <p:strVal val="#ppt_y"/>
+                                          </p:val>
+                                        </p:tav>
+                                      </p:tavLst>
+                                    </p:anim>
+                                  </p:childTnLst>
+                                </p:cTn>
+                              </p:par>
+                            </p:childTnLst>
+                          </p:cTn>
+                        </p:par>
+                        <p:par>
+                          <p:cTn id="93" fill="hold">
+                            <p:stCondLst>
+                              <p:cond delay="7000"/>
+                            </p:stCondLst>
+                            <p:childTnLst>
+                              <p:par>
+                                <p:cTn id="94" presetID="8" presetClass="entr" presetSubtype="16" fill="hold" grpId="0" nodeType="afterEffect">
+                                  <p:stCondLst>
+                                    <p:cond delay="0"/>
+                                  </p:stCondLst>
+                                  <p:childTnLst>
+                                    <p:set>
+                                      <p:cBhvr>
+                                        <p:cTn id="95" dur="1" fill="hold">
+                                          <p:stCondLst>
+                                            <p:cond delay="0"/>
+                                          </p:stCondLst>
+                                        </p:cTn>
+                                        <p:tgtEl>
+                                          <p:spTgt spid="146"/>
+                                        </p:tgtEl>
+                                        <p:attrNameLst>
+                                          <p:attrName>style.visibility</p:attrName>
+                                        </p:attrNameLst>
+                                      </p:cBhvr>
+                                      <p:to>
+                                        <p:strVal val="visible"/>
+                                      </p:to>
+                                    </p:set>
+                                    <p:animEffect transition="in" filter="diamond(in)">
+                                      <p:cBhvr>
+                                        <p:cTn id="96" dur="2000"/>
+                                        <p:tgtEl>
+                                          <p:spTgt spid="146"/>
+                                        </p:tgtEl>
+                                      </p:cBhvr>
+                                    </p:animEffect>
+                                  </p:childTnLst>
+                                </p:cTn>
+                              </p:par>
+                              <p:par>
+                                <p:cTn id="97" presetID="8" presetClass="entr" presetSubtype="16" fill="hold" nodeType="withEffect">
+                                  <p:stCondLst>
+                                    <p:cond delay="0"/>
+                                  </p:stCondLst>
+                                  <p:childTnLst>
+                                    <p:set>
+                                      <p:cBhvr>
+                                        <p:cTn id="98" dur="1" fill="hold">
+                                          <p:stCondLst>
+                                            <p:cond delay="0"/>
+                                          </p:stCondLst>
+                                        </p:cTn>
+                                        <p:tgtEl>
+                                          <p:spTgt spid="127"/>
+                                        </p:tgtEl>
+                                        <p:attrNameLst>
+                                          <p:attrName>style.visibility</p:attrName>
+                                        </p:attrNameLst>
+                                      </p:cBhvr>
+                                      <p:to>
+                                        <p:strVal val="visible"/>
+                                      </p:to>
+                                    </p:set>
+                                    <p:animEffect transition="in" filter="diamond(in)">
+                                      <p:cBhvr>
+                                        <p:cTn id="99" dur="2000"/>
+                                        <p:tgtEl>
+                                          <p:spTgt spid="127"/>
+                                        </p:tgtEl>
+                                      </p:cBhvr>
+                                    </p:animEffect>
+                                  </p:childTnLst>
+                                </p:cTn>
+                              </p:par>
+                              <p:par>
+                                <p:cTn id="100" presetID="8" presetClass="entr" presetSubtype="16" fill="hold" nodeType="withEffect">
+                                  <p:stCondLst>
+                                    <p:cond delay="0"/>
+                                  </p:stCondLst>
+                                  <p:childTnLst>
+                                    <p:set>
+                                      <p:cBhvr>
+                                        <p:cTn id="101" dur="1" fill="hold">
+                                          <p:stCondLst>
+                                            <p:cond delay="0"/>
+                                          </p:stCondLst>
+                                        </p:cTn>
+                                        <p:tgtEl>
+                                          <p:spTgt spid="124"/>
+                                        </p:tgtEl>
+                                        <p:attrNameLst>
+                                          <p:attrName>style.visibility</p:attrName>
+                                        </p:attrNameLst>
+                                      </p:cBhvr>
+                                      <p:to>
+                                        <p:strVal val="visible"/>
+                                      </p:to>
+                                    </p:set>
+                                    <p:animEffect transition="in" filter="diamond(in)">
+                                      <p:cBhvr>
+                                        <p:cTn id="102" dur="2000"/>
+                                        <p:tgtEl>
+                                          <p:spTgt spid="124"/>
+                                        </p:tgtEl>
+                                      </p:cBhvr>
+                                    </p:animEffect>
+                                  </p:childTnLst>
+                                </p:cTn>
+                              </p:par>
+                              <p:par>
+                                <p:cTn id="103" presetID="8" presetClass="entr" presetSubtype="16" fill="hold" nodeType="withEffect">
+                                  <p:stCondLst>
+                                    <p:cond delay="0"/>
+                                  </p:stCondLst>
+                                  <p:childTnLst>
+                                    <p:set>
+                                      <p:cBhvr>
+                                        <p:cTn id="104" dur="1" fill="hold">
+                                          <p:stCondLst>
+                                            <p:cond delay="0"/>
+                                          </p:stCondLst>
+                                        </p:cTn>
+                                        <p:tgtEl>
+                                          <p:spTgt spid="121"/>
+                                        </p:tgtEl>
+                                        <p:attrNameLst>
+                                          <p:attrName>style.visibility</p:attrName>
+                                        </p:attrNameLst>
+                                      </p:cBhvr>
+                                      <p:to>
+                                        <p:strVal val="visible"/>
+                                      </p:to>
+                                    </p:set>
+                                    <p:animEffect transition="in" filter="diamond(in)">
+                                      <p:cBhvr>
+                                        <p:cTn id="105" dur="2000"/>
+                                        <p:tgtEl>
+                                          <p:spTgt spid="121"/>
+                                        </p:tgtEl>
+                                      </p:cBhvr>
+                                    </p:animEffect>
+                                  </p:childTnLst>
+                                </p:cTn>
+                              </p:par>
+                              <p:par>
+                                <p:cTn id="106" presetID="8" presetClass="entr" presetSubtype="16" fill="hold" nodeType="withEffect">
+                                  <p:stCondLst>
+                                    <p:cond delay="0"/>
+                                  </p:stCondLst>
+                                  <p:childTnLst>
+                                    <p:set>
+                                      <p:cBhvr>
+                                        <p:cTn id="107" dur="1" fill="hold">
+                                          <p:stCondLst>
+                                            <p:cond delay="0"/>
+                                          </p:stCondLst>
+                                        </p:cTn>
+                                        <p:tgtEl>
+                                          <p:spTgt spid="119"/>
+                                        </p:tgtEl>
+                                        <p:attrNameLst>
+                                          <p:attrName>style.visibility</p:attrName>
+                                        </p:attrNameLst>
+                                      </p:cBhvr>
+                                      <p:to>
+                                        <p:strVal val="visible"/>
+                                      </p:to>
+                                    </p:set>
+                                    <p:animEffect transition="in" filter="diamond(in)">
+                                      <p:cBhvr>
+                                        <p:cTn id="108" dur="2000"/>
+                                        <p:tgtEl>
+                                          <p:spTgt spid="119"/>
+                                        </p:tgtEl>
+                                      </p:cBhvr>
+                                    </p:animEffect>
+                                  </p:childTnLst>
+                                </p:cTn>
+                              </p:par>
+                            </p:childTnLst>
+                          </p:cTn>
+                        </p:par>
+                        <p:par>
+                          <p:cTn id="109" fill="hold">
+                            <p:stCondLst>
+                              <p:cond delay="9000"/>
+                            </p:stCondLst>
+                            <p:childTnLst>
+                              <p:par>
+                                <p:cTn id="110" presetID="2" presetClass="entr" presetSubtype="4" fill="hold" grpId="0" nodeType="afterEffect">
+                                  <p:stCondLst>
+                                    <p:cond delay="0"/>
+                                  </p:stCondLst>
+                                  <p:childTnLst>
+                                    <p:set>
+                                      <p:cBhvr>
+                                        <p:cTn id="111" dur="1" fill="hold">
+                                          <p:stCondLst>
+                                            <p:cond delay="0"/>
+                                          </p:stCondLst>
+                                        </p:cTn>
+                                        <p:tgtEl>
+                                          <p:spTgt spid="23"/>
+                                        </p:tgtEl>
+                                        <p:attrNameLst>
+                                          <p:attrName>style.visibility</p:attrName>
+                                        </p:attrNameLst>
+                                      </p:cBhvr>
+                                      <p:to>
+                                        <p:strVal val="visible"/>
+                                      </p:to>
+                                    </p:set>
+                                    <p:anim calcmode="lin" valueType="num">
+                                      <p:cBhvr additive="base">
+                                        <p:cTn id="112" dur="500" fill="hold"/>
+                                        <p:tgtEl>
+                                          <p:spTgt spid="23"/>
+                                        </p:tgtEl>
+                                        <p:attrNameLst>
+                                          <p:attrName>ppt_x</p:attrName>
+                                        </p:attrNameLst>
+                                      </p:cBhvr>
+                                      <p:tavLst>
+                                        <p:tav tm="0">
+                                          <p:val>
+                                            <p:strVal val="#ppt_x"/>
+                                          </p:val>
+                                        </p:tav>
+                                        <p:tav tm="100000">
+                                          <p:val>
+                                            <p:strVal val="#ppt_x"/>
+                                          </p:val>
+                                        </p:tav>
+                                      </p:tavLst>
+                                    </p:anim>
+                                    <p:anim calcmode="lin" valueType="num">
+                                      <p:cBhvr additive="base">
+                                        <p:cTn id="113" dur="500" fill="hold"/>
+                                        <p:tgtEl>
+                                          <p:spTgt spid="23"/>
+                                        </p:tgtEl>
+                                        <p:attrNameLst>
+                                          <p:attrName>ppt_y</p:attrName>
+                                        </p:attrNameLst>
+                                      </p:cBhvr>
+                                      <p:tavLst>
+                                        <p:tav tm="0">
+                                          <p:val>
+                                            <p:strVal val="1+#ppt_h/2"/>
+                                          </p:val>
+                                        </p:tav>
+                                        <p:tav tm="100000">
+                                          <p:val>
+                                            <p:strVal val="#ppt_y"/>
+                                          </p:val>
+                                        </p:tav>
+                                      </p:tavLst>
+                                    </p:anim>
+                                  </p:childTnLst>
+                                </p:cTn>
+                              </p:par>
+                              <p:par>
+                                <p:cTn id="114" presetID="2" presetClass="entr" presetSubtype="4" fill="hold" grpId="0" nodeType="withEffect">
+                                  <p:stCondLst>
+                                    <p:cond delay="0"/>
+                                  </p:stCondLst>
+                                  <p:childTnLst>
+                                    <p:set>
+                                      <p:cBhvr>
+                                        <p:cTn id="115" dur="1" fill="hold">
+                                          <p:stCondLst>
+                                            <p:cond delay="0"/>
+                                          </p:stCondLst>
+                                        </p:cTn>
+                                        <p:tgtEl>
+                                          <p:spTgt spid="24"/>
+                                        </p:tgtEl>
+                                        <p:attrNameLst>
+                                          <p:attrName>style.visibility</p:attrName>
+                                        </p:attrNameLst>
+                                      </p:cBhvr>
+                                      <p:to>
+                                        <p:strVal val="visible"/>
+                                      </p:to>
+                                    </p:set>
+                                    <p:anim calcmode="lin" valueType="num">
+                                      <p:cBhvr additive="base">
+                                        <p:cTn id="116" dur="500" fill="hold"/>
+                                        <p:tgtEl>
+                                          <p:spTgt spid="24"/>
+                                        </p:tgtEl>
+                                        <p:attrNameLst>
+                                          <p:attrName>ppt_x</p:attrName>
+                                        </p:attrNameLst>
+                                      </p:cBhvr>
+                                      <p:tavLst>
+                                        <p:tav tm="0">
+                                          <p:val>
+                                            <p:strVal val="#ppt_x"/>
+                                          </p:val>
+                                        </p:tav>
+                                        <p:tav tm="100000">
+                                          <p:val>
+                                            <p:strVal val="#ppt_x"/>
+                                          </p:val>
+                                        </p:tav>
+                                      </p:tavLst>
+                                    </p:anim>
+                                    <p:anim calcmode="lin" valueType="num">
+                                      <p:cBhvr additive="base">
+                                        <p:cTn id="117" dur="500" fill="hold"/>
+                                        <p:tgtEl>
+                                          <p:spTgt spid="24"/>
+                                        </p:tgtEl>
+                                        <p:attrNameLst>
+                                          <p:attrName>ppt_y</p:attrName>
+                                        </p:attrNameLst>
+                                      </p:cBhvr>
+                                      <p:tavLst>
+                                        <p:tav tm="0">
+                                          <p:val>
+                                            <p:strVal val="1+#ppt_h/2"/>
+                                          </p:val>
+                                        </p:tav>
+                                        <p:tav tm="100000">
+                                          <p:val>
+                                            <p:strVal val="#ppt_y"/>
+                                          </p:val>
+                                        </p:tav>
+                                      </p:tavLst>
+                                    </p:anim>
+                                  </p:childTnLst>
+                                </p:cTn>
+                              </p:par>
+                              <p:par>
+                                <p:cTn id="118" presetID="2" presetClass="entr" presetSubtype="4" fill="hold" grpId="0" nodeType="withEffect">
+                                  <p:stCondLst>
+                                    <p:cond delay="0"/>
+                                  </p:stCondLst>
+                                  <p:childTnLst>
+                                    <p:set>
+                                      <p:cBhvr>
+                                        <p:cTn id="119" dur="1" fill="hold">
+                                          <p:stCondLst>
+                                            <p:cond delay="0"/>
+                                          </p:stCondLst>
+                                        </p:cTn>
+                                        <p:tgtEl>
+                                          <p:spTgt spid="26"/>
+                                        </p:tgtEl>
+                                        <p:attrNameLst>
+                                          <p:attrName>style.visibility</p:attrName>
+                                        </p:attrNameLst>
+                                      </p:cBhvr>
+                                      <p:to>
+                                        <p:strVal val="visible"/>
+                                      </p:to>
+                                    </p:set>
+                                    <p:anim calcmode="lin" valueType="num">
+                                      <p:cBhvr additive="base">
+                                        <p:cTn id="120" dur="500" fill="hold"/>
+                                        <p:tgtEl>
+                                          <p:spTgt spid="26"/>
+                                        </p:tgtEl>
+                                        <p:attrNameLst>
+                                          <p:attrName>ppt_x</p:attrName>
+                                        </p:attrNameLst>
+                                      </p:cBhvr>
+                                      <p:tavLst>
+                                        <p:tav tm="0">
+                                          <p:val>
+                                            <p:strVal val="#ppt_x"/>
+                                          </p:val>
+                                        </p:tav>
+                                        <p:tav tm="100000">
+                                          <p:val>
+                                            <p:strVal val="#ppt_x"/>
+                                          </p:val>
+                                        </p:tav>
+                                      </p:tavLst>
+                                    </p:anim>
+                                    <p:anim calcmode="lin" valueType="num">
+                                      <p:cBhvr additive="base">
+                                        <p:cTn id="121" dur="500" fill="hold"/>
+                                        <p:tgtEl>
+                                          <p:spTgt spid="26"/>
+                                        </p:tgtEl>
+                                        <p:attrNameLst>
+                                          <p:attrName>ppt_y</p:attrName>
+                                        </p:attrNameLst>
+                                      </p:cBhvr>
+                                      <p:tavLst>
+                                        <p:tav tm="0">
+                                          <p:val>
+                                            <p:strVal val="1+#ppt_h/2"/>
+                                          </p:val>
+                                        </p:tav>
+                                        <p:tav tm="100000">
+                                          <p:val>
+                                            <p:strVal val="#ppt_y"/>
+                                          </p:val>
+                                        </p:tav>
+                                      </p:tavLst>
+                                    </p:anim>
+                                  </p:childTnLst>
+                                </p:cTn>
+                              </p:par>
+                              <p:par>
+                                <p:cTn id="122" presetID="2" presetClass="entr" presetSubtype="4" fill="hold" grpId="0" nodeType="withEffect">
+                                  <p:stCondLst>
+                                    <p:cond delay="0"/>
+                                  </p:stCondLst>
+                                  <p:childTnLst>
+                                    <p:set>
+                                      <p:cBhvr>
+                                        <p:cTn id="123" dur="1" fill="hold">
+                                          <p:stCondLst>
+                                            <p:cond delay="0"/>
+                                          </p:stCondLst>
+                                        </p:cTn>
+                                        <p:tgtEl>
+                                          <p:spTgt spid="70"/>
+                                        </p:tgtEl>
+                                        <p:attrNameLst>
+                                          <p:attrName>style.visibility</p:attrName>
+                                        </p:attrNameLst>
+                                      </p:cBhvr>
+                                      <p:to>
+                                        <p:strVal val="visible"/>
+                                      </p:to>
+                                    </p:set>
+                                    <p:anim calcmode="lin" valueType="num">
+                                      <p:cBhvr additive="base">
+                                        <p:cTn id="124" dur="500" fill="hold"/>
+                                        <p:tgtEl>
+                                          <p:spTgt spid="70"/>
+                                        </p:tgtEl>
+                                        <p:attrNameLst>
+                                          <p:attrName>ppt_x</p:attrName>
+                                        </p:attrNameLst>
+                                      </p:cBhvr>
+                                      <p:tavLst>
+                                        <p:tav tm="0">
+                                          <p:val>
+                                            <p:strVal val="#ppt_x"/>
+                                          </p:val>
+                                        </p:tav>
+                                        <p:tav tm="100000">
+                                          <p:val>
+                                            <p:strVal val="#ppt_x"/>
+                                          </p:val>
+                                        </p:tav>
+                                      </p:tavLst>
+                                    </p:anim>
+                                    <p:anim calcmode="lin" valueType="num">
+                                      <p:cBhvr additive="base">
+                                        <p:cTn id="125" dur="500" fill="hold"/>
+                                        <p:tgtEl>
+                                          <p:spTgt spid="70"/>
+                                        </p:tgtEl>
+                                        <p:attrNameLst>
+                                          <p:attrName>ppt_y</p:attrName>
+                                        </p:attrNameLst>
+                                      </p:cBhvr>
+                                      <p:tavLst>
+                                        <p:tav tm="0">
+                                          <p:val>
+                                            <p:strVal val="1+#ppt_h/2"/>
+                                          </p:val>
+                                        </p:tav>
+                                        <p:tav tm="100000">
+                                          <p:val>
+                                            <p:strVal val="#ppt_y"/>
+                                          </p:val>
+                                        </p:tav>
+                                      </p:tavLst>
+                                    </p:anim>
+                                  </p:childTnLst>
+                                </p:cTn>
+                              </p:par>
+                              <p:par>
+                                <p:cTn id="126" presetID="2" presetClass="entr" presetSubtype="4" fill="hold" grpId="0" nodeType="withEffect">
+                                  <p:stCondLst>
+                                    <p:cond delay="0"/>
+                                  </p:stCondLst>
+                                  <p:childTnLst>
+                                    <p:set>
+                                      <p:cBhvr>
+                                        <p:cTn id="127" dur="1" fill="hold">
+                                          <p:stCondLst>
+                                            <p:cond delay="0"/>
+                                          </p:stCondLst>
+                                        </p:cTn>
+                                        <p:tgtEl>
+                                          <p:spTgt spid="88"/>
+                                        </p:tgtEl>
+                                        <p:attrNameLst>
+                                          <p:attrName>style.visibility</p:attrName>
+                                        </p:attrNameLst>
+                                      </p:cBhvr>
+                                      <p:to>
+                                        <p:strVal val="visible"/>
+                                      </p:to>
+                                    </p:set>
+                                    <p:anim calcmode="lin" valueType="num">
+                                      <p:cBhvr additive="base">
+                                        <p:cTn id="128" dur="500" fill="hold"/>
+                                        <p:tgtEl>
+                                          <p:spTgt spid="88"/>
+                                        </p:tgtEl>
+                                        <p:attrNameLst>
+                                          <p:attrName>ppt_x</p:attrName>
+                                        </p:attrNameLst>
+                                      </p:cBhvr>
+                                      <p:tavLst>
+                                        <p:tav tm="0">
+                                          <p:val>
+                                            <p:strVal val="#ppt_x"/>
+                                          </p:val>
+                                        </p:tav>
+                                        <p:tav tm="100000">
+                                          <p:val>
+                                            <p:strVal val="#ppt_x"/>
+                                          </p:val>
+                                        </p:tav>
+                                      </p:tavLst>
+                                    </p:anim>
+                                    <p:anim calcmode="lin" valueType="num">
+                                      <p:cBhvr additive="base">
+                                        <p:cTn id="129" dur="500" fill="hold"/>
+                                        <p:tgtEl>
+                                          <p:spTgt spid="88"/>
+                                        </p:tgtEl>
+                                        <p:attrNameLst>
+                                          <p:attrName>ppt_y</p:attrName>
+                                        </p:attrNameLst>
+                                      </p:cBhvr>
+                                      <p:tavLst>
+                                        <p:tav tm="0">
+                                          <p:val>
+                                            <p:strVal val="1+#ppt_h/2"/>
+                                          </p:val>
+                                        </p:tav>
+                                        <p:tav tm="100000">
+                                          <p:val>
+                                            <p:strVal val="#ppt_y"/>
+                                          </p:val>
+                                        </p:tav>
+                                      </p:tavLst>
+                                    </p:anim>
+                                  </p:childTnLst>
+                                </p:cTn>
+                              </p:par>
+                              <p:par>
+                                <p:cTn id="130" presetID="2" presetClass="entr" presetSubtype="4" fill="hold" nodeType="withEffect">
+                                  <p:stCondLst>
+                                    <p:cond delay="0"/>
+                                  </p:stCondLst>
+                                  <p:childTnLst>
+                                    <p:set>
+                                      <p:cBhvr>
+                                        <p:cTn id="131" dur="1" fill="hold">
+                                          <p:stCondLst>
+                                            <p:cond delay="0"/>
+                                          </p:stCondLst>
+                                        </p:cTn>
+                                        <p:tgtEl>
+                                          <p:spTgt spid="90"/>
+                                        </p:tgtEl>
+                                        <p:attrNameLst>
+                                          <p:attrName>style.visibility</p:attrName>
+                                        </p:attrNameLst>
+                                      </p:cBhvr>
+                                      <p:to>
+                                        <p:strVal val="visible"/>
+                                      </p:to>
+                                    </p:set>
+                                    <p:anim calcmode="lin" valueType="num">
+                                      <p:cBhvr additive="base">
+                                        <p:cTn id="132" dur="500" fill="hold"/>
+                                        <p:tgtEl>
+                                          <p:spTgt spid="90"/>
+                                        </p:tgtEl>
+                                        <p:attrNameLst>
+                                          <p:attrName>ppt_x</p:attrName>
+                                        </p:attrNameLst>
+                                      </p:cBhvr>
+                                      <p:tavLst>
+                                        <p:tav tm="0">
+                                          <p:val>
+                                            <p:strVal val="#ppt_x"/>
+                                          </p:val>
+                                        </p:tav>
+                                        <p:tav tm="100000">
+                                          <p:val>
+                                            <p:strVal val="#ppt_x"/>
+                                          </p:val>
+                                        </p:tav>
+                                      </p:tavLst>
+                                    </p:anim>
+                                    <p:anim calcmode="lin" valueType="num">
+                                      <p:cBhvr additive="base">
+                                        <p:cTn id="133" dur="500" fill="hold"/>
+                                        <p:tgtEl>
+                                          <p:spTgt spid="90"/>
+                                        </p:tgtEl>
+                                        <p:attrNameLst>
+                                          <p:attrName>ppt_y</p:attrName>
+                                        </p:attrNameLst>
+                                      </p:cBhvr>
+                                      <p:tavLst>
+                                        <p:tav tm="0">
+                                          <p:val>
+                                            <p:strVal val="1+#ppt_h/2"/>
+                                          </p:val>
+                                        </p:tav>
+                                        <p:tav tm="100000">
+                                          <p:val>
+                                            <p:strVal val="#ppt_y"/>
+                                          </p:val>
+                                        </p:tav>
+                                      </p:tavLst>
+                                    </p:anim>
+                                  </p:childTnLst>
+                                </p:cTn>
+                              </p:par>
+                              <p:par>
+                                <p:cTn id="134" presetID="2" presetClass="entr" presetSubtype="4" fill="hold" nodeType="withEffect">
+                                  <p:stCondLst>
+                                    <p:cond delay="0"/>
+                                  </p:stCondLst>
+                                  <p:childTnLst>
+                                    <p:set>
+                                      <p:cBhvr>
+                                        <p:cTn id="135" dur="1" fill="hold">
+                                          <p:stCondLst>
+                                            <p:cond delay="0"/>
+                                          </p:stCondLst>
+                                        </p:cTn>
+                                        <p:tgtEl>
+                                          <p:spTgt spid="94"/>
+                                        </p:tgtEl>
+                                        <p:attrNameLst>
+                                          <p:attrName>style.visibility</p:attrName>
+                                        </p:attrNameLst>
+                                      </p:cBhvr>
+                                      <p:to>
+                                        <p:strVal val="visible"/>
+                                      </p:to>
+                                    </p:set>
+                                    <p:anim calcmode="lin" valueType="num">
+                                      <p:cBhvr additive="base">
+                                        <p:cTn id="136" dur="500" fill="hold"/>
+                                        <p:tgtEl>
+                                          <p:spTgt spid="94"/>
+                                        </p:tgtEl>
+                                        <p:attrNameLst>
+                                          <p:attrName>ppt_x</p:attrName>
+                                        </p:attrNameLst>
+                                      </p:cBhvr>
+                                      <p:tavLst>
+                                        <p:tav tm="0">
+                                          <p:val>
+                                            <p:strVal val="#ppt_x"/>
+                                          </p:val>
+                                        </p:tav>
+                                        <p:tav tm="100000">
+                                          <p:val>
+                                            <p:strVal val="#ppt_x"/>
+                                          </p:val>
+                                        </p:tav>
+                                      </p:tavLst>
+                                    </p:anim>
+                                    <p:anim calcmode="lin" valueType="num">
+                                      <p:cBhvr additive="base">
+                                        <p:cTn id="137" dur="500" fill="hold"/>
+                                        <p:tgtEl>
+                                          <p:spTgt spid="94"/>
+                                        </p:tgtEl>
+                                        <p:attrNameLst>
+                                          <p:attrName>ppt_y</p:attrName>
+                                        </p:attrNameLst>
+                                      </p:cBhvr>
+                                      <p:tavLst>
+                                        <p:tav tm="0">
+                                          <p:val>
+                                            <p:strVal val="1+#ppt_h/2"/>
+                                          </p:val>
+                                        </p:tav>
+                                        <p:tav tm="100000">
+                                          <p:val>
+                                            <p:strVal val="#ppt_y"/>
+                                          </p:val>
+                                        </p:tav>
+                                      </p:tavLst>
+                                    </p:anim>
+                                  </p:childTnLst>
+                                </p:cTn>
+                              </p:par>
+                              <p:par>
+                                <p:cTn id="138" presetID="2" presetClass="entr" presetSubtype="4" fill="hold" nodeType="withEffect">
+                                  <p:stCondLst>
+                                    <p:cond delay="0"/>
+                                  </p:stCondLst>
+                                  <p:childTnLst>
+                                    <p:set>
+                                      <p:cBhvr>
+                                        <p:cTn id="139" dur="1" fill="hold">
+                                          <p:stCondLst>
+                                            <p:cond delay="0"/>
+                                          </p:stCondLst>
+                                        </p:cTn>
+                                        <p:tgtEl>
+                                          <p:spTgt spid="96"/>
+                                        </p:tgtEl>
+                                        <p:attrNameLst>
+                                          <p:attrName>style.visibility</p:attrName>
+                                        </p:attrNameLst>
+                                      </p:cBhvr>
+                                      <p:to>
+                                        <p:strVal val="visible"/>
+                                      </p:to>
+                                    </p:set>
+                                    <p:anim calcmode="lin" valueType="num">
+                                      <p:cBhvr additive="base">
+                                        <p:cTn id="140" dur="500" fill="hold"/>
+                                        <p:tgtEl>
+                                          <p:spTgt spid="96"/>
+                                        </p:tgtEl>
+                                        <p:attrNameLst>
+                                          <p:attrName>ppt_x</p:attrName>
+                                        </p:attrNameLst>
+                                      </p:cBhvr>
+                                      <p:tavLst>
+                                        <p:tav tm="0">
+                                          <p:val>
+                                            <p:strVal val="#ppt_x"/>
+                                          </p:val>
+                                        </p:tav>
+                                        <p:tav tm="100000">
+                                          <p:val>
+                                            <p:strVal val="#ppt_x"/>
+                                          </p:val>
+                                        </p:tav>
+                                      </p:tavLst>
+                                    </p:anim>
+                                    <p:anim calcmode="lin" valueType="num">
+                                      <p:cBhvr additive="base">
+                                        <p:cTn id="141" dur="500" fill="hold"/>
+                                        <p:tgtEl>
+                                          <p:spTgt spid="96"/>
+                                        </p:tgtEl>
+                                        <p:attrNameLst>
+                                          <p:attrName>ppt_y</p:attrName>
+                                        </p:attrNameLst>
+                                      </p:cBhvr>
+                                      <p:tavLst>
+                                        <p:tav tm="0">
+                                          <p:val>
+                                            <p:strVal val="1+#ppt_h/2"/>
+                                          </p:val>
+                                        </p:tav>
+                                        <p:tav tm="100000">
+                                          <p:val>
+                                            <p:strVal val="#ppt_y"/>
+                                          </p:val>
+                                        </p:tav>
+                                      </p:tavLst>
+                                    </p:anim>
+                                  </p:childTnLst>
+                                </p:cTn>
+                              </p:par>
+                              <p:par>
+                                <p:cTn id="142" presetID="2" presetClass="entr" presetSubtype="4" fill="hold" nodeType="withEffect">
+                                  <p:stCondLst>
+                                    <p:cond delay="0"/>
+                                  </p:stCondLst>
+                                  <p:childTnLst>
+                                    <p:set>
+                                      <p:cBhvr>
+                                        <p:cTn id="143" dur="1" fill="hold">
+                                          <p:stCondLst>
+                                            <p:cond delay="0"/>
+                                          </p:stCondLst>
+                                        </p:cTn>
+                                        <p:tgtEl>
+                                          <p:spTgt spid="98"/>
+                                        </p:tgtEl>
+                                        <p:attrNameLst>
+                                          <p:attrName>style.visibility</p:attrName>
+                                        </p:attrNameLst>
+                                      </p:cBhvr>
+                                      <p:to>
+                                        <p:strVal val="visible"/>
+                                      </p:to>
+                                    </p:set>
+                                    <p:anim calcmode="lin" valueType="num">
+                                      <p:cBhvr additive="base">
+                                        <p:cTn id="144" dur="500" fill="hold"/>
+                                        <p:tgtEl>
+                                          <p:spTgt spid="98"/>
+                                        </p:tgtEl>
+                                        <p:attrNameLst>
+                                          <p:attrName>ppt_x</p:attrName>
+                                        </p:attrNameLst>
+                                      </p:cBhvr>
+                                      <p:tavLst>
+                                        <p:tav tm="0">
+                                          <p:val>
+                                            <p:strVal val="#ppt_x"/>
+                                          </p:val>
+                                        </p:tav>
+                                        <p:tav tm="100000">
+                                          <p:val>
+                                            <p:strVal val="#ppt_x"/>
+                                          </p:val>
+                                        </p:tav>
+                                      </p:tavLst>
+                                    </p:anim>
+                                    <p:anim calcmode="lin" valueType="num">
+                                      <p:cBhvr additive="base">
+                                        <p:cTn id="145" dur="500" fill="hold"/>
+                                        <p:tgtEl>
+                                          <p:spTgt spid="98"/>
+                                        </p:tgtEl>
+                                        <p:attrNameLst>
+                                          <p:attrName>ppt_y</p:attrName>
+                                        </p:attrNameLst>
+                                      </p:cBhvr>
+                                      <p:tavLst>
+                                        <p:tav tm="0">
+                                          <p:val>
+                                            <p:strVal val="1+#ppt_h/2"/>
+                                          </p:val>
+                                        </p:tav>
+                                        <p:tav tm="100000">
+                                          <p:val>
+                                            <p:strVal val="#ppt_y"/>
+                                          </p:val>
+                                        </p:tav>
+                                      </p:tavLst>
+                                    </p:anim>
+                                  </p:childTnLst>
+                                </p:cTn>
+                              </p:par>
+                              <p:par>
+                                <p:cTn id="146" presetID="2" presetClass="entr" presetSubtype="4" fill="hold" nodeType="withEffect">
+                                  <p:stCondLst>
+                                    <p:cond delay="0"/>
+                                  </p:stCondLst>
+                                  <p:childTnLst>
+                                    <p:set>
+                                      <p:cBhvr>
+                                        <p:cTn id="147" dur="1" fill="hold">
+                                          <p:stCondLst>
+                                            <p:cond delay="0"/>
+                                          </p:stCondLst>
+                                        </p:cTn>
+                                        <p:tgtEl>
+                                          <p:spTgt spid="160"/>
+                                        </p:tgtEl>
+                                        <p:attrNameLst>
+                                          <p:attrName>style.visibility</p:attrName>
+                                        </p:attrNameLst>
+                                      </p:cBhvr>
+                                      <p:to>
+                                        <p:strVal val="visible"/>
+                                      </p:to>
+                                    </p:set>
+                                    <p:anim calcmode="lin" valueType="num">
+                                      <p:cBhvr additive="base">
+                                        <p:cTn id="148" dur="500" fill="hold"/>
+                                        <p:tgtEl>
+                                          <p:spTgt spid="160"/>
+                                        </p:tgtEl>
+                                        <p:attrNameLst>
+                                          <p:attrName>ppt_x</p:attrName>
+                                        </p:attrNameLst>
+                                      </p:cBhvr>
+                                      <p:tavLst>
+                                        <p:tav tm="0">
+                                          <p:val>
+                                            <p:strVal val="#ppt_x"/>
+                                          </p:val>
+                                        </p:tav>
+                                        <p:tav tm="100000">
+                                          <p:val>
+                                            <p:strVal val="#ppt_x"/>
+                                          </p:val>
+                                        </p:tav>
+                                      </p:tavLst>
+                                    </p:anim>
+                                    <p:anim calcmode="lin" valueType="num">
+                                      <p:cBhvr additive="base">
+                                        <p:cTn id="149" dur="500" fill="hold"/>
+                                        <p:tgtEl>
+                                          <p:spTgt spid="160"/>
+                                        </p:tgtEl>
+                                        <p:attrNameLst>
+                                          <p:attrName>ppt_y</p:attrName>
+                                        </p:attrNameLst>
+                                      </p:cBhvr>
+                                      <p:tavLst>
+                                        <p:tav tm="0">
+                                          <p:val>
+                                            <p:strVal val="1+#ppt_h/2"/>
+                                          </p:val>
+                                        </p:tav>
+                                        <p:tav tm="100000">
+                                          <p:val>
+                                            <p:strVal val="#ppt_y"/>
+                                          </p:val>
+                                        </p:tav>
+                                      </p:tavLst>
+                                    </p:anim>
+                                  </p:childTnLst>
+                                </p:cTn>
+                              </p:par>
+                              <p:par>
+                                <p:cTn id="150" presetID="2" presetClass="entr" presetSubtype="4" fill="hold" nodeType="withEffect">
+                                  <p:stCondLst>
+                                    <p:cond delay="0"/>
+                                  </p:stCondLst>
+                                  <p:childTnLst>
+                                    <p:set>
+                                      <p:cBhvr>
+                                        <p:cTn id="151" dur="1" fill="hold">
+                                          <p:stCondLst>
+                                            <p:cond delay="0"/>
+                                          </p:stCondLst>
+                                        </p:cTn>
+                                        <p:tgtEl>
+                                          <p:spTgt spid="161"/>
+                                        </p:tgtEl>
+                                        <p:attrNameLst>
+                                          <p:attrName>style.visibility</p:attrName>
+                                        </p:attrNameLst>
+                                      </p:cBhvr>
+                                      <p:to>
+                                        <p:strVal val="visible"/>
+                                      </p:to>
+                                    </p:set>
+                                    <p:anim calcmode="lin" valueType="num">
+                                      <p:cBhvr additive="base">
+                                        <p:cTn id="152" dur="500" fill="hold"/>
+                                        <p:tgtEl>
+                                          <p:spTgt spid="161"/>
+                                        </p:tgtEl>
+                                        <p:attrNameLst>
+                                          <p:attrName>ppt_x</p:attrName>
+                                        </p:attrNameLst>
+                                      </p:cBhvr>
+                                      <p:tavLst>
+                                        <p:tav tm="0">
+                                          <p:val>
+                                            <p:strVal val="#ppt_x"/>
+                                          </p:val>
+                                        </p:tav>
+                                        <p:tav tm="100000">
+                                          <p:val>
+                                            <p:strVal val="#ppt_x"/>
+                                          </p:val>
+                                        </p:tav>
+                                      </p:tavLst>
+                                    </p:anim>
+                                    <p:anim calcmode="lin" valueType="num">
+                                      <p:cBhvr additive="base">
+                                        <p:cTn id="153" dur="500" fill="hold"/>
+                                        <p:tgtEl>
+                                          <p:spTgt spid="161"/>
+                                        </p:tgtEl>
+                                        <p:attrNameLst>
+                                          <p:attrName>ppt_y</p:attrName>
+                                        </p:attrNameLst>
+                                      </p:cBhvr>
+                                      <p:tavLst>
+                                        <p:tav tm="0">
+                                          <p:val>
+                                            <p:strVal val="1+#ppt_h/2"/>
+                                          </p:val>
+                                        </p:tav>
+                                        <p:tav tm="100000">
+                                          <p:val>
+                                            <p:strVal val="#ppt_y"/>
+                                          </p:val>
+                                        </p:tav>
+                                      </p:tavLst>
+                                    </p:anim>
+                                  </p:childTnLst>
+                                </p:cTn>
+                              </p:par>
+                              <p:par>
+                                <p:cTn id="154" presetID="2" presetClass="entr" presetSubtype="4" fill="hold" grpId="0" nodeType="withEffect">
+                                  <p:stCondLst>
+                                    <p:cond delay="0"/>
+                                  </p:stCondLst>
+                                  <p:childTnLst>
+                                    <p:set>
+                                      <p:cBhvr>
+                                        <p:cTn id="155" dur="1" fill="hold">
+                                          <p:stCondLst>
+                                            <p:cond delay="0"/>
+                                          </p:stCondLst>
+                                        </p:cTn>
+                                        <p:tgtEl>
+                                          <p:spTgt spid="172"/>
+                                        </p:tgtEl>
+                                        <p:attrNameLst>
+                                          <p:attrName>style.visibility</p:attrName>
+                                        </p:attrNameLst>
+                                      </p:cBhvr>
+                                      <p:to>
+                                        <p:strVal val="visible"/>
+                                      </p:to>
+                                    </p:set>
+                                    <p:anim calcmode="lin" valueType="num">
+                                      <p:cBhvr additive="base">
+                                        <p:cTn id="156" dur="500" fill="hold"/>
+                                        <p:tgtEl>
+                                          <p:spTgt spid="172"/>
+                                        </p:tgtEl>
+                                        <p:attrNameLst>
+                                          <p:attrName>ppt_x</p:attrName>
+                                        </p:attrNameLst>
+                                      </p:cBhvr>
+                                      <p:tavLst>
+                                        <p:tav tm="0">
+                                          <p:val>
+                                            <p:strVal val="#ppt_x"/>
+                                          </p:val>
+                                        </p:tav>
+                                        <p:tav tm="100000">
+                                          <p:val>
+                                            <p:strVal val="#ppt_x"/>
+                                          </p:val>
+                                        </p:tav>
+                                      </p:tavLst>
+                                    </p:anim>
+                                    <p:anim calcmode="lin" valueType="num">
+                                      <p:cBhvr additive="base">
+                                        <p:cTn id="157" dur="500" fill="hold"/>
+                                        <p:tgtEl>
+                                          <p:spTgt spid="172"/>
+                                        </p:tgtEl>
+                                        <p:attrNameLst>
+                                          <p:attrName>ppt_y</p:attrName>
+                                        </p:attrNameLst>
+                                      </p:cBhvr>
+                                      <p:tavLst>
+                                        <p:tav tm="0">
+                                          <p:val>
+                                            <p:strVal val="1+#ppt_h/2"/>
+                                          </p:val>
+                                        </p:tav>
+                                        <p:tav tm="100000">
+                                          <p:val>
+                                            <p:strVal val="#ppt_y"/>
+                                          </p:val>
+                                        </p:tav>
+                                      </p:tavLst>
+                                    </p:anim>
+                                  </p:childTnLst>
+                                </p:cTn>
+                              </p:par>
+                            </p:childTnLst>
+                          </p:cTn>
+                        </p:par>
+                      </p:childTnLst>
+                    </p:cTn>
+                  </p:par>
+                </p:childTnLst>
+              </p:cTn>
+              <p:prevCondLst>
+                <p:cond evt="onPrev" delay="0">
+                  <p:tgtEl>
+                    <p:sldTgt/>
+                  </p:tgtEl>
+                </p:cond>
+              </p:prevCondLst>
+              <p:nextCondLst>
+                <p:cond evt="onNext" delay="0">
+                  <p:tgtEl>
+                    <p:sldTgt/>
+                  </p:tgtEl>
+                </p:cond>
+              </p:nextCondLst>
+            </p:seq>
+          </p:childTnLst>
+        </p:cTn>
       </p:par>
     </p:tnLst>
+    <p:bldLst>
+      <p:bldP spid="23" grpId="0" animBg="1"/>
+      <p:bldP spid="24" grpId="0" animBg="1"/>
+      <p:bldP spid="26" grpId="0" animBg="1"/>
+      <p:bldP spid="29" grpId="0" animBg="1"/>
+      <p:bldP spid="32" grpId="0" animBg="1"/>
+      <p:bldGraphic spid="33" grpId="0">
+        <p:bldAsOne/>
+      </p:bldGraphic>
+      <p:bldP spid="34" grpId="0" animBg="1"/>
+      <p:bldP spid="35" grpId="0" animBg="1"/>
+      <p:bldP spid="36" grpId="0" animBg="1"/>
+      <p:bldP spid="37" grpId="0" animBg="1"/>
+      <p:bldP spid="70" grpId="0" animBg="1"/>
+      <p:bldP spid="74" grpId="0" animBg="1"/>
+      <p:bldP spid="88" grpId="0" animBg="1"/>
+      <p:bldP spid="146" grpId="0" animBg="1"/>
+      <p:bldP spid="168" grpId="0" animBg="1"/>
+      <p:bldP spid="169" grpId="0" animBg="1"/>
+      <p:bldP spid="172" grpId="0" animBg="1"/>
+      <p:bldP spid="39" grpId="0" animBg="1"/>
+      <p:bldP spid="44" grpId="0" animBg="1"/>
+    </p:bldLst>
   </p:timing>
 </p:sld>
 </file>
@@ -11101,8 +13739,8 @@
         </p:blipFill>
         <p:spPr bwMode="auto">
           <a:xfrm>
-            <a:off x="6660232" y="5805264"/>
-            <a:ext cx="991361" cy="936104"/>
+            <a:off x="8244408" y="4725144"/>
+            <a:ext cx="792088" cy="747938"/>
           </a:xfrm>
           <a:prstGeom prst="rect">
             <a:avLst/>
@@ -11200,8 +13838,8 @@
         </p:blipFill>
         <p:spPr bwMode="auto">
           <a:xfrm>
-            <a:off x="6876256" y="4725144"/>
-            <a:ext cx="1872207" cy="983023"/>
+            <a:off x="6588224" y="4725144"/>
+            <a:ext cx="1496165" cy="792088"/>
           </a:xfrm>
           <a:prstGeom prst="rect">
             <a:avLst/>
@@ -11299,8 +13937,41 @@
         </p:blipFill>
         <p:spPr bwMode="auto">
           <a:xfrm>
-            <a:off x="7740352" y="5781566"/>
+            <a:off x="6588224" y="5733256"/>
             <a:ext cx="1296143" cy="959802"/>
+          </a:xfrm>
+          <a:prstGeom prst="rect">
+            <a:avLst/>
+          </a:prstGeom>
+          <a:noFill/>
+          <a:ln w="9525">
+            <a:noFill/>
+            <a:miter lim="800000"/>
+            <a:headEnd/>
+            <a:tailEnd/>
+          </a:ln>
+          <a:effectLst/>
+        </p:spPr>
+      </p:pic>
+      <p:pic>
+        <p:nvPicPr>
+          <p:cNvPr id="2050" name="Picture 2"/>
+          <p:cNvPicPr>
+            <a:picLocks noChangeAspect="1" noChangeArrowheads="1"/>
+          </p:cNvPicPr>
+          <p:nvPr/>
+        </p:nvPicPr>
+        <p:blipFill>
+          <a:blip r:embed="rId16" cstate="print"/>
+          <a:srcRect/>
+          <a:stretch>
+            <a:fillRect/>
+          </a:stretch>
+        </p:blipFill>
+        <p:spPr bwMode="auto">
+          <a:xfrm>
+            <a:off x="7956376" y="5733256"/>
+            <a:ext cx="1080120" cy="936104"/>
           </a:xfrm>
           <a:prstGeom prst="rect">
             <a:avLst/>
@@ -11950,6 +14621,50 @@
                             </p:childTnLst>
                           </p:cTn>
                         </p:par>
+                        <p:par>
+                          <p:cTn id="60" fill="hold">
+                            <p:stCondLst>
+                              <p:cond delay="7000"/>
+                            </p:stCondLst>
+                            <p:childTnLst>
+                              <p:par>
+                                <p:cTn id="61" presetID="5" presetClass="entr" presetSubtype="10" fill="hold" nodeType="afterEffect">
+                                  <p:stCondLst>
+                                    <p:cond delay="0"/>
+                                  </p:stCondLst>
+                                  <p:childTnLst>
+                                    <p:set>
+                                      <p:cBhvr>
+                                        <p:cTn id="62" dur="1" fill="hold">
+                                          <p:stCondLst>
+                                            <p:cond delay="0"/>
+                                          </p:stCondLst>
+                                        </p:cTn>
+                                        <p:tgtEl>
+                                          <p:spTgt spid="2050"/>
+                                        </p:tgtEl>
+                                        <p:attrNameLst>
+                                          <p:attrName>style.visibility</p:attrName>
+                                        </p:attrNameLst>
+                                      </p:cBhvr>
+                                      <p:to>
+                                        <p:strVal val="visible"/>
+                                      </p:to>
+                                    </p:set>
+                                    <p:animEffect transition="in" filter="checkerboard(across)">
+                                      <p:cBhvr>
+                                        <p:cTn id="63" dur="500"/>
+                                        <p:tgtEl>
+                                          <p:spTgt spid="2050"/>
+                                        </p:tgtEl>
+                                      </p:cBhvr>
+                                    </p:animEffect>
+                                  </p:childTnLst>
+                                </p:cTn>
+                              </p:par>
+                            </p:childTnLst>
+                          </p:cTn>
+                        </p:par>
                       </p:childTnLst>
                     </p:cTn>
                   </p:par>
